--- a/SodaPDF-converted-Presentation capstone..pptx
+++ b/SodaPDF-converted-Presentation capstone..pptx
@@ -1,6 +1,6 @@
 
 <file path=ppt/presentation.xml><?xml version="1.0" encoding="utf-8"?>
-<p:presentation xmlns:a="http://schemas.openxmlformats.org/drawingml/2006/main" xmlns:r="http://schemas.openxmlformats.org/officeDocument/2006/relationships" xmlns:p="http://schemas.openxmlformats.org/presentationml/2006/main">
+<p:presentation xmlns:a="http://schemas.openxmlformats.org/drawingml/2006/main" xmlns:r="http://schemas.openxmlformats.org/officeDocument/2006/relationships" xmlns:p="http://schemas.openxmlformats.org/presentationml/2006/main" strictFirstAndLastChars="0" saveSubsetFonts="1" autoCompressPictures="0">
   <p:sldMasterIdLst>
     <p:sldMasterId id="2147483648" r:id="rId1"/>
   </p:sldMasterIdLst>
@@ -8,12 +8,12 @@
     <p:sldId id="256" r:id="rId2"/>
     <p:sldId id="257" r:id="rId3"/>
     <p:sldId id="258" r:id="rId4"/>
-    <p:sldId id="259" r:id="rId5"/>
-    <p:sldId id="260" r:id="rId6"/>
-    <p:sldId id="261" r:id="rId7"/>
-    <p:sldId id="262" r:id="rId8"/>
-    <p:sldId id="263" r:id="rId9"/>
-    <p:sldId id="264" r:id="rId10"/>
+    <p:sldId id="260" r:id="rId5"/>
+    <p:sldId id="261" r:id="rId6"/>
+    <p:sldId id="262" r:id="rId7"/>
+    <p:sldId id="263" r:id="rId8"/>
+    <p:sldId id="264" r:id="rId9"/>
+    <p:sldId id="268" r:id="rId10"/>
     <p:sldId id="265" r:id="rId11"/>
     <p:sldId id="266" r:id="rId12"/>
     <p:sldId id="267" r:id="rId13"/>
@@ -21,10 +21,10 @@
   <p:sldSz cx="18288000" cy="10287000"/>
   <p:notesSz cx="18288000" cy="10287000"/>
   <p:defaultTextStyle>
-    <a:defPPr>
+    <a:defPPr lvl="0">
       <a:defRPr lang="fr-FR"/>
     </a:defPPr>
-    <a:lvl1pPr marL="0" algn="l" defTabSz="914400" rtl="0" eaLnBrk="1" latinLnBrk="0" hangingPunct="1">
+    <a:lvl1pPr marL="0" lvl="0" algn="l" defTabSz="914400" rtl="0" eaLnBrk="1" latinLnBrk="0" hangingPunct="1">
       <a:defRPr sz="1800" kern="1200">
         <a:solidFill>
           <a:schemeClr val="tx1"/>
@@ -34,7 +34,7 @@
         <a:cs typeface="+mn-cs"/>
       </a:defRPr>
     </a:lvl1pPr>
-    <a:lvl2pPr marL="457200" algn="l" defTabSz="914400" rtl="0" eaLnBrk="1" latinLnBrk="0" hangingPunct="1">
+    <a:lvl2pPr marL="457200" lvl="1" algn="l" defTabSz="914400" rtl="0" eaLnBrk="1" latinLnBrk="0" hangingPunct="1">
       <a:defRPr sz="1800" kern="1200">
         <a:solidFill>
           <a:schemeClr val="tx1"/>
@@ -44,7 +44,7 @@
         <a:cs typeface="+mn-cs"/>
       </a:defRPr>
     </a:lvl2pPr>
-    <a:lvl3pPr marL="914400" algn="l" defTabSz="914400" rtl="0" eaLnBrk="1" latinLnBrk="0" hangingPunct="1">
+    <a:lvl3pPr marL="914400" lvl="2" algn="l" defTabSz="914400" rtl="0" eaLnBrk="1" latinLnBrk="0" hangingPunct="1">
       <a:defRPr sz="1800" kern="1200">
         <a:solidFill>
           <a:schemeClr val="tx1"/>
@@ -54,7 +54,7 @@
         <a:cs typeface="+mn-cs"/>
       </a:defRPr>
     </a:lvl3pPr>
-    <a:lvl4pPr marL="1371600" algn="l" defTabSz="914400" rtl="0" eaLnBrk="1" latinLnBrk="0" hangingPunct="1">
+    <a:lvl4pPr marL="1371600" lvl="3" algn="l" defTabSz="914400" rtl="0" eaLnBrk="1" latinLnBrk="0" hangingPunct="1">
       <a:defRPr sz="1800" kern="1200">
         <a:solidFill>
           <a:schemeClr val="tx1"/>
@@ -64,7 +64,7 @@
         <a:cs typeface="+mn-cs"/>
       </a:defRPr>
     </a:lvl4pPr>
-    <a:lvl5pPr marL="1828800" algn="l" defTabSz="914400" rtl="0" eaLnBrk="1" latinLnBrk="0" hangingPunct="1">
+    <a:lvl5pPr marL="1828800" lvl="4" algn="l" defTabSz="914400" rtl="0" eaLnBrk="1" latinLnBrk="0" hangingPunct="1">
       <a:defRPr sz="1800" kern="1200">
         <a:solidFill>
           <a:schemeClr val="tx1"/>
@@ -74,7 +74,7 @@
         <a:cs typeface="+mn-cs"/>
       </a:defRPr>
     </a:lvl5pPr>
-    <a:lvl6pPr marL="2286000" algn="l" defTabSz="914400" rtl="0" eaLnBrk="1" latinLnBrk="0" hangingPunct="1">
+    <a:lvl6pPr marL="2286000" lvl="5" algn="l" defTabSz="914400" rtl="0" eaLnBrk="1" latinLnBrk="0" hangingPunct="1">
       <a:defRPr sz="1800" kern="1200">
         <a:solidFill>
           <a:schemeClr val="tx1"/>
@@ -84,7 +84,7 @@
         <a:cs typeface="+mn-cs"/>
       </a:defRPr>
     </a:lvl6pPr>
-    <a:lvl7pPr marL="2743200" algn="l" defTabSz="914400" rtl="0" eaLnBrk="1" latinLnBrk="0" hangingPunct="1">
+    <a:lvl7pPr marL="2743200" lvl="6" algn="l" defTabSz="914400" rtl="0" eaLnBrk="1" latinLnBrk="0" hangingPunct="1">
       <a:defRPr sz="1800" kern="1200">
         <a:solidFill>
           <a:schemeClr val="tx1"/>
@@ -94,7 +94,7 @@
         <a:cs typeface="+mn-cs"/>
       </a:defRPr>
     </a:lvl7pPr>
-    <a:lvl8pPr marL="3200400" algn="l" defTabSz="914400" rtl="0" eaLnBrk="1" latinLnBrk="0" hangingPunct="1">
+    <a:lvl8pPr marL="3200400" lvl="7" algn="l" defTabSz="914400" rtl="0" eaLnBrk="1" latinLnBrk="0" hangingPunct="1">
       <a:defRPr sz="1800" kern="1200">
         <a:solidFill>
           <a:schemeClr val="tx1"/>
@@ -104,7 +104,7 @@
         <a:cs typeface="+mn-cs"/>
       </a:defRPr>
     </a:lvl8pPr>
-    <a:lvl9pPr marL="3657600" algn="l" defTabSz="914400" rtl="0" eaLnBrk="1" latinLnBrk="0" hangingPunct="1">
+    <a:lvl9pPr marL="3657600" lvl="8" algn="l" defTabSz="914400" rtl="0" eaLnBrk="1" latinLnBrk="0" hangingPunct="1">
       <a:defRPr sz="1800" kern="1200">
         <a:solidFill>
           <a:schemeClr val="tx1"/>
@@ -357,7 +357,7 @@
           <a:p>
             <a:fld id="{1D8BD707-D9CF-40AE-B4C6-C98DA3205C09}" type="datetimeFigureOut">
               <a:rPr lang="en-US"/>
-              <a:t>9/25/2021</a:t>
+              <a:t>9/30/2021</a:t>
             </a:fld>
             <a:endParaRPr lang="en-US"/>
           </a:p>
@@ -389,7 +389,7 @@
           </a:lstStyle>
           <a:p>
             <a:fld id="{B6F15528-21DE-4FAA-801E-634DDDAF4B2B}" type="slidenum">
-              <a:t>‹N°›</a:t>
+              <a:t>‹#›</a:t>
             </a:fld>
             <a:endParaRPr/>
           </a:p>
@@ -532,7 +532,7 @@
           <a:p>
             <a:fld id="{1D8BD707-D9CF-40AE-B4C6-C98DA3205C09}" type="datetimeFigureOut">
               <a:rPr lang="en-US"/>
-              <a:t>9/25/2021</a:t>
+              <a:t>9/30/2021</a:t>
             </a:fld>
             <a:endParaRPr lang="en-US"/>
           </a:p>
@@ -564,7 +564,7 @@
           </a:lstStyle>
           <a:p>
             <a:fld id="{B6F15528-21DE-4FAA-801E-634DDDAF4B2B}" type="slidenum">
-              <a:t>‹N°›</a:t>
+              <a:t>‹#›</a:t>
             </a:fld>
             <a:endParaRPr/>
           </a:p>
@@ -746,7 +746,7 @@
           <a:p>
             <a:fld id="{1D8BD707-D9CF-40AE-B4C6-C98DA3205C09}" type="datetimeFigureOut">
               <a:rPr lang="en-US"/>
-              <a:t>9/25/2021</a:t>
+              <a:t>9/30/2021</a:t>
             </a:fld>
             <a:endParaRPr lang="en-US"/>
           </a:p>
@@ -778,7 +778,7 @@
           </a:lstStyle>
           <a:p>
             <a:fld id="{B6F15528-21DE-4FAA-801E-634DDDAF4B2B}" type="slidenum">
-              <a:t>‹N°›</a:t>
+              <a:t>‹#›</a:t>
             </a:fld>
             <a:endParaRPr/>
           </a:p>
@@ -1052,7 +1052,7 @@
           <a:p>
             <a:fld id="{1D8BD707-D9CF-40AE-B4C6-C98DA3205C09}" type="datetimeFigureOut">
               <a:rPr lang="en-US"/>
-              <a:t>9/25/2021</a:t>
+              <a:t>9/30/2021</a:t>
             </a:fld>
             <a:endParaRPr lang="en-US"/>
           </a:p>
@@ -1084,7 +1084,7 @@
           </a:lstStyle>
           <a:p>
             <a:fld id="{B6F15528-21DE-4FAA-801E-634DDDAF4B2B}" type="slidenum">
-              <a:t>‹N°›</a:t>
+              <a:t>‹#›</a:t>
             </a:fld>
             <a:endParaRPr/>
           </a:p>
@@ -1624,7 +1624,7 @@
           <a:p>
             <a:fld id="{1D8BD707-D9CF-40AE-B4C6-C98DA3205C09}" type="datetimeFigureOut">
               <a:rPr lang="en-US"/>
-              <a:t>9/25/2021</a:t>
+              <a:t>9/30/2021</a:t>
             </a:fld>
             <a:endParaRPr lang="en-US"/>
           </a:p>
@@ -1656,7 +1656,7 @@
           </a:lstStyle>
           <a:p>
             <a:fld id="{B6F15528-21DE-4FAA-801E-634DDDAF4B2B}" type="slidenum">
-              <a:t>‹N°›</a:t>
+              <a:t>‹#›</a:t>
             </a:fld>
             <a:endParaRPr/>
           </a:p>
@@ -1847,7 +1847,7 @@
           <a:p>
             <a:fld id="{1D8BD707-D9CF-40AE-B4C6-C98DA3205C09}" type="datetimeFigureOut">
               <a:rPr lang="en-US"/>
-              <a:t>9/25/2021</a:t>
+              <a:t>9/30/2021</a:t>
             </a:fld>
             <a:endParaRPr lang="en-US"/>
           </a:p>
@@ -1889,7 +1889,7 @@
           </a:lstStyle>
           <a:p>
             <a:fld id="{B6F15528-21DE-4FAA-801E-634DDDAF4B2B}" type="slidenum">
-              <a:t>‹N°›</a:t>
+              <a:t>‹#›</a:t>
             </a:fld>
             <a:endParaRPr/>
           </a:p>
@@ -2702,7 +2702,7 @@
               </a:rPr>
               <a:t>PERSPECTIVE</a:t>
             </a:r>
-            <a:endParaRPr sz="2700">
+            <a:endParaRPr sz="2700" dirty="0">
               <a:latin typeface="Calibri"/>
               <a:cs typeface="Calibri"/>
             </a:endParaRPr>
@@ -2737,6 +2737,356 @@
               <a:t> </a:t>
             </a:r>
             <a:r>
+              <a:rPr lang="fr-HT" sz="1950" spc="-65" dirty="0">
+                <a:solidFill>
+                  <a:srgbClr val="FEFFFF"/>
+                </a:solidFill>
+                <a:latin typeface="Arial Unicode MS"/>
+                <a:cs typeface="Arial Unicode MS"/>
+              </a:rPr>
+              <a:t>C</a:t>
+            </a:r>
+            <a:r>
+              <a:rPr sz="1950" spc="-65" dirty="0" err="1">
+                <a:solidFill>
+                  <a:srgbClr val="FEFFFF"/>
+                </a:solidFill>
+                <a:latin typeface="Arial Unicode MS"/>
+                <a:cs typeface="Arial Unicode MS"/>
+              </a:rPr>
+              <a:t>omprehensive</a:t>
+            </a:r>
+            <a:r>
+              <a:rPr sz="1950" spc="-145" dirty="0">
+                <a:solidFill>
+                  <a:srgbClr val="FEFFFF"/>
+                </a:solidFill>
+                <a:latin typeface="Arial Unicode MS"/>
+                <a:cs typeface="Arial Unicode MS"/>
+              </a:rPr>
+              <a:t> </a:t>
+            </a:r>
+            <a:r>
+              <a:rPr sz="1950" spc="-55" dirty="0">
+                <a:solidFill>
+                  <a:srgbClr val="FEFFFF"/>
+                </a:solidFill>
+                <a:latin typeface="Arial Unicode MS"/>
+                <a:cs typeface="Arial Unicode MS"/>
+              </a:rPr>
+              <a:t>sexuality</a:t>
+            </a:r>
+            <a:r>
+              <a:rPr sz="1950" spc="-140" dirty="0">
+                <a:solidFill>
+                  <a:srgbClr val="FEFFFF"/>
+                </a:solidFill>
+                <a:latin typeface="Arial Unicode MS"/>
+                <a:cs typeface="Arial Unicode MS"/>
+              </a:rPr>
+              <a:t> </a:t>
+            </a:r>
+            <a:r>
+              <a:rPr sz="1950" spc="-35" dirty="0">
+                <a:solidFill>
+                  <a:srgbClr val="FEFFFF"/>
+                </a:solidFill>
+                <a:latin typeface="Arial Unicode MS"/>
+                <a:cs typeface="Arial Unicode MS"/>
+              </a:rPr>
+              <a:t>education</a:t>
+            </a:r>
+            <a:r>
+              <a:rPr sz="1950" spc="-145" dirty="0">
+                <a:solidFill>
+                  <a:srgbClr val="FEFFFF"/>
+                </a:solidFill>
+                <a:latin typeface="Arial Unicode MS"/>
+                <a:cs typeface="Arial Unicode MS"/>
+              </a:rPr>
+              <a:t> </a:t>
+            </a:r>
+            <a:r>
+              <a:rPr sz="1950" spc="15" dirty="0">
+                <a:solidFill>
+                  <a:srgbClr val="FEFFFF"/>
+                </a:solidFill>
+                <a:latin typeface="Arial Unicode MS"/>
+                <a:cs typeface="Arial Unicode MS"/>
+              </a:rPr>
+              <a:t>that</a:t>
+            </a:r>
+            <a:r>
+              <a:rPr sz="1950" spc="-140" dirty="0">
+                <a:solidFill>
+                  <a:srgbClr val="FEFFFF"/>
+                </a:solidFill>
+                <a:latin typeface="Arial Unicode MS"/>
+                <a:cs typeface="Arial Unicode MS"/>
+              </a:rPr>
+              <a:t> </a:t>
+            </a:r>
+            <a:r>
+              <a:rPr sz="1950" spc="-50" dirty="0">
+                <a:solidFill>
+                  <a:srgbClr val="FEFFFF"/>
+                </a:solidFill>
+                <a:latin typeface="Arial Unicode MS"/>
+                <a:cs typeface="Arial Unicode MS"/>
+              </a:rPr>
+              <a:t>includes</a:t>
+            </a:r>
+            <a:r>
+              <a:rPr sz="1950" spc="-145" dirty="0">
+                <a:solidFill>
+                  <a:srgbClr val="FEFFFF"/>
+                </a:solidFill>
+                <a:latin typeface="Arial Unicode MS"/>
+                <a:cs typeface="Arial Unicode MS"/>
+              </a:rPr>
+              <a:t> </a:t>
+            </a:r>
+            <a:r>
+              <a:rPr sz="1950" spc="-35" dirty="0">
+                <a:solidFill>
+                  <a:srgbClr val="FEFFFF"/>
+                </a:solidFill>
+                <a:latin typeface="Arial Unicode MS"/>
+                <a:cs typeface="Arial Unicode MS"/>
+              </a:rPr>
+              <a:t>medically</a:t>
+            </a:r>
+            <a:r>
+              <a:rPr sz="1950" spc="-140" dirty="0">
+                <a:solidFill>
+                  <a:srgbClr val="FEFFFF"/>
+                </a:solidFill>
+                <a:latin typeface="Arial Unicode MS"/>
+                <a:cs typeface="Arial Unicode MS"/>
+              </a:rPr>
+              <a:t> </a:t>
+            </a:r>
+            <a:r>
+              <a:rPr sz="1950" spc="-60" dirty="0">
+                <a:solidFill>
+                  <a:srgbClr val="FEFFFF"/>
+                </a:solidFill>
+                <a:latin typeface="Arial Unicode MS"/>
+                <a:cs typeface="Arial Unicode MS"/>
+              </a:rPr>
+              <a:t>accurate</a:t>
+            </a:r>
+            <a:r>
+              <a:rPr sz="1950" spc="-145" dirty="0">
+                <a:solidFill>
+                  <a:srgbClr val="FEFFFF"/>
+                </a:solidFill>
+                <a:latin typeface="Arial Unicode MS"/>
+                <a:cs typeface="Arial Unicode MS"/>
+              </a:rPr>
+              <a:t> </a:t>
+            </a:r>
+            <a:r>
+              <a:rPr sz="1950" spc="-5" dirty="0">
+                <a:solidFill>
+                  <a:srgbClr val="FEFFFF"/>
+                </a:solidFill>
+                <a:latin typeface="Arial Unicode MS"/>
+                <a:cs typeface="Arial Unicode MS"/>
+              </a:rPr>
+              <a:t>information</a:t>
+            </a:r>
+            <a:r>
+              <a:rPr sz="1950" spc="-140" dirty="0">
+                <a:solidFill>
+                  <a:srgbClr val="FEFFFF"/>
+                </a:solidFill>
+                <a:latin typeface="Arial Unicode MS"/>
+                <a:cs typeface="Arial Unicode MS"/>
+              </a:rPr>
+              <a:t> </a:t>
+            </a:r>
+            <a:r>
+              <a:rPr sz="1950" spc="-20" dirty="0">
+                <a:solidFill>
+                  <a:srgbClr val="FEFFFF"/>
+                </a:solidFill>
+                <a:latin typeface="Arial Unicode MS"/>
+                <a:cs typeface="Arial Unicode MS"/>
+              </a:rPr>
+              <a:t>about</a:t>
+            </a:r>
+            <a:r>
+              <a:rPr sz="1950" spc="-145" dirty="0">
+                <a:solidFill>
+                  <a:srgbClr val="FEFFFF"/>
+                </a:solidFill>
+                <a:latin typeface="Arial Unicode MS"/>
+                <a:cs typeface="Arial Unicode MS"/>
+              </a:rPr>
+              <a:t> </a:t>
+            </a:r>
+            <a:r>
+              <a:rPr sz="1950" spc="-55" dirty="0">
+                <a:solidFill>
+                  <a:srgbClr val="FEFFFF"/>
+                </a:solidFill>
+                <a:latin typeface="Arial Unicode MS"/>
+                <a:cs typeface="Arial Unicode MS"/>
+              </a:rPr>
+              <a:t>abstinence</a:t>
+            </a:r>
+            <a:r>
+              <a:rPr sz="1950" spc="-140" dirty="0">
+                <a:solidFill>
+                  <a:srgbClr val="FEFFFF"/>
+                </a:solidFill>
+                <a:latin typeface="Arial Unicode MS"/>
+                <a:cs typeface="Arial Unicode MS"/>
+              </a:rPr>
+              <a:t> </a:t>
+            </a:r>
+            <a:r>
+              <a:rPr sz="1950" spc="-50" dirty="0">
+                <a:solidFill>
+                  <a:srgbClr val="FEFFFF"/>
+                </a:solidFill>
+                <a:latin typeface="Arial Unicode MS"/>
+                <a:cs typeface="Arial Unicode MS"/>
+              </a:rPr>
+              <a:t>and </a:t>
+            </a:r>
+            <a:r>
+              <a:rPr sz="1950" spc="-530" dirty="0">
+                <a:solidFill>
+                  <a:srgbClr val="FEFFFF"/>
+                </a:solidFill>
+                <a:latin typeface="Arial Unicode MS"/>
+                <a:cs typeface="Arial Unicode MS"/>
+              </a:rPr>
+              <a:t> </a:t>
+            </a:r>
+            <a:r>
+              <a:rPr sz="1950" spc="-25" dirty="0">
+                <a:solidFill>
+                  <a:srgbClr val="FEFFFF"/>
+                </a:solidFill>
+                <a:latin typeface="Arial Unicode MS"/>
+                <a:cs typeface="Arial Unicode MS"/>
+              </a:rPr>
+              <a:t>contraception</a:t>
+            </a:r>
+            <a:r>
+              <a:rPr sz="1950" spc="-155" dirty="0">
+                <a:solidFill>
+                  <a:srgbClr val="FEFFFF"/>
+                </a:solidFill>
+                <a:latin typeface="Arial Unicode MS"/>
+                <a:cs typeface="Arial Unicode MS"/>
+              </a:rPr>
+              <a:t> </a:t>
+            </a:r>
+            <a:r>
+              <a:rPr sz="1950" spc="-60" dirty="0">
+                <a:solidFill>
+                  <a:srgbClr val="FEFFFF"/>
+                </a:solidFill>
+                <a:latin typeface="Arial Unicode MS"/>
+                <a:cs typeface="Arial Unicode MS"/>
+              </a:rPr>
+              <a:t>especially</a:t>
+            </a:r>
+            <a:r>
+              <a:rPr sz="1950" spc="-155" dirty="0">
+                <a:solidFill>
+                  <a:srgbClr val="FEFFFF"/>
+                </a:solidFill>
+                <a:latin typeface="Arial Unicode MS"/>
+                <a:cs typeface="Arial Unicode MS"/>
+              </a:rPr>
+              <a:t> </a:t>
+            </a:r>
+            <a:r>
+              <a:rPr sz="1950" spc="-25" dirty="0">
+                <a:solidFill>
+                  <a:srgbClr val="FEFFFF"/>
+                </a:solidFill>
+                <a:latin typeface="Arial Unicode MS"/>
+                <a:cs typeface="Arial Unicode MS"/>
+              </a:rPr>
+              <a:t>after</a:t>
+            </a:r>
+            <a:r>
+              <a:rPr sz="1950" spc="-155" dirty="0">
+                <a:solidFill>
+                  <a:srgbClr val="FEFFFF"/>
+                </a:solidFill>
+                <a:latin typeface="Arial Unicode MS"/>
+                <a:cs typeface="Arial Unicode MS"/>
+              </a:rPr>
+              <a:t> </a:t>
+            </a:r>
+            <a:r>
+              <a:rPr sz="1950" spc="-25" dirty="0">
+                <a:solidFill>
+                  <a:srgbClr val="FEFFFF"/>
+                </a:solidFill>
+                <a:latin typeface="Arial Unicode MS"/>
+                <a:cs typeface="Arial Unicode MS"/>
+              </a:rPr>
+              <a:t>primary</a:t>
+            </a:r>
+            <a:r>
+              <a:rPr sz="1950" spc="-150" dirty="0">
+                <a:solidFill>
+                  <a:srgbClr val="FEFFFF"/>
+                </a:solidFill>
+                <a:latin typeface="Arial Unicode MS"/>
+                <a:cs typeface="Arial Unicode MS"/>
+              </a:rPr>
+              <a:t> </a:t>
+            </a:r>
+            <a:r>
+              <a:rPr sz="1950" spc="-55" dirty="0">
+                <a:solidFill>
+                  <a:srgbClr val="FEFFFF"/>
+                </a:solidFill>
+                <a:latin typeface="Arial Unicode MS"/>
+                <a:cs typeface="Arial Unicode MS"/>
+              </a:rPr>
+              <a:t>school</a:t>
+            </a:r>
+            <a:r>
+              <a:rPr sz="1950" spc="-155" dirty="0">
+                <a:solidFill>
+                  <a:srgbClr val="FEFFFF"/>
+                </a:solidFill>
+                <a:latin typeface="Arial Unicode MS"/>
+                <a:cs typeface="Arial Unicode MS"/>
+              </a:rPr>
+              <a:t> </a:t>
+            </a:r>
+            <a:r>
+              <a:rPr sz="1950" spc="-50" dirty="0">
+                <a:solidFill>
+                  <a:srgbClr val="FEFFFF"/>
+                </a:solidFill>
+                <a:latin typeface="Arial Unicode MS"/>
+                <a:cs typeface="Arial Unicode MS"/>
+              </a:rPr>
+              <a:t>and</a:t>
+            </a:r>
+            <a:r>
+              <a:rPr sz="1950" spc="-155" dirty="0">
+                <a:solidFill>
+                  <a:srgbClr val="FEFFFF"/>
+                </a:solidFill>
+                <a:latin typeface="Arial Unicode MS"/>
+                <a:cs typeface="Arial Unicode MS"/>
+              </a:rPr>
+              <a:t> </a:t>
+            </a:r>
+            <a:r>
               <a:rPr sz="1950" spc="-65" dirty="0">
                 <a:solidFill>
                   <a:srgbClr val="FEFFFF"/>
@@ -2744,10 +3094,10 @@
                 <a:latin typeface="Arial Unicode MS"/>
                 <a:cs typeface="Arial Unicode MS"/>
               </a:rPr>
-              <a:t>comprehensive</a:t>
-            </a:r>
-            <a:r>
-              <a:rPr sz="1950" spc="-145" dirty="0">
+              <a:t>also</a:t>
+            </a:r>
+            <a:r>
+              <a:rPr sz="1950" spc="-150" dirty="0">
                 <a:solidFill>
                   <a:srgbClr val="FEFFFF"/>
                 </a:solidFill>
@@ -2757,17 +3107,17 @@
               <a:t> </a:t>
             </a:r>
             <a:r>
-              <a:rPr sz="1950" spc="-55" dirty="0">
+              <a:rPr sz="1950" spc="5" dirty="0">
                 <a:solidFill>
                   <a:srgbClr val="FEFFFF"/>
                 </a:solidFill>
                 <a:latin typeface="Arial Unicode MS"/>
                 <a:cs typeface="Arial Unicode MS"/>
               </a:rPr>
-              <a:t>sexuality</a:t>
-            </a:r>
-            <a:r>
-              <a:rPr sz="1950" spc="-140" dirty="0">
+              <a:t>in</a:t>
+            </a:r>
+            <a:r>
+              <a:rPr sz="1950" spc="-155" dirty="0">
                 <a:solidFill>
                   <a:srgbClr val="FEFFFF"/>
                 </a:solidFill>
@@ -2777,6 +3127,46 @@
               <a:t> </a:t>
             </a:r>
             <a:r>
+              <a:rPr sz="1950" spc="-105" dirty="0">
+                <a:solidFill>
+                  <a:srgbClr val="FEFFFF"/>
+                </a:solidFill>
+                <a:latin typeface="Arial Unicode MS"/>
+                <a:cs typeface="Arial Unicode MS"/>
+              </a:rPr>
+              <a:t>a</a:t>
+            </a:r>
+            <a:r>
+              <a:rPr sz="1950" spc="-155" dirty="0">
+                <a:solidFill>
+                  <a:srgbClr val="FEFFFF"/>
+                </a:solidFill>
+                <a:latin typeface="Arial Unicode MS"/>
+                <a:cs typeface="Arial Unicode MS"/>
+              </a:rPr>
+              <a:t> </a:t>
+            </a:r>
+            <a:r>
+              <a:rPr sz="1950" spc="-40" dirty="0">
+                <a:solidFill>
+                  <a:srgbClr val="FEFFFF"/>
+                </a:solidFill>
+                <a:latin typeface="Arial Unicode MS"/>
+                <a:cs typeface="Arial Unicode MS"/>
+              </a:rPr>
+              <a:t>religious</a:t>
+            </a:r>
+            <a:r>
+              <a:rPr sz="1950" spc="-150" dirty="0">
+                <a:solidFill>
+                  <a:srgbClr val="FEFFFF"/>
+                </a:solidFill>
+                <a:latin typeface="Arial Unicode MS"/>
+                <a:cs typeface="Arial Unicode MS"/>
+              </a:rPr>
+              <a:t> </a:t>
+            </a:r>
+            <a:r>
               <a:rPr sz="1950" spc="-35" dirty="0">
                 <a:solidFill>
                   <a:srgbClr val="FEFFFF"/>
@@ -2784,389 +3174,9 @@
                 <a:latin typeface="Arial Unicode MS"/>
                 <a:cs typeface="Arial Unicode MS"/>
               </a:rPr>
-              <a:t>education</a:t>
-            </a:r>
-            <a:r>
-              <a:rPr sz="1950" spc="-145" dirty="0">
-                <a:solidFill>
-                  <a:srgbClr val="FEFFFF"/>
-                </a:solidFill>
-                <a:latin typeface="Arial Unicode MS"/>
-                <a:cs typeface="Arial Unicode MS"/>
-              </a:rPr>
-              <a:t> </a:t>
-            </a:r>
-            <a:r>
-              <a:rPr sz="1950" spc="15" dirty="0">
-                <a:solidFill>
-                  <a:srgbClr val="FEFFFF"/>
-                </a:solidFill>
-                <a:latin typeface="Arial Unicode MS"/>
-                <a:cs typeface="Arial Unicode MS"/>
-              </a:rPr>
-              <a:t>that</a:t>
-            </a:r>
-            <a:r>
-              <a:rPr sz="1950" spc="-140" dirty="0">
-                <a:solidFill>
-                  <a:srgbClr val="FEFFFF"/>
-                </a:solidFill>
-                <a:latin typeface="Arial Unicode MS"/>
-                <a:cs typeface="Arial Unicode MS"/>
-              </a:rPr>
-              <a:t> </a:t>
-            </a:r>
-            <a:r>
-              <a:rPr sz="1950" spc="-50" dirty="0">
-                <a:solidFill>
-                  <a:srgbClr val="FEFFFF"/>
-                </a:solidFill>
-                <a:latin typeface="Arial Unicode MS"/>
-                <a:cs typeface="Arial Unicode MS"/>
-              </a:rPr>
-              <a:t>includes</a:t>
-            </a:r>
-            <a:r>
-              <a:rPr sz="1950" spc="-145" dirty="0">
-                <a:solidFill>
-                  <a:srgbClr val="FEFFFF"/>
-                </a:solidFill>
-                <a:latin typeface="Arial Unicode MS"/>
-                <a:cs typeface="Arial Unicode MS"/>
-              </a:rPr>
-              <a:t> </a:t>
-            </a:r>
-            <a:r>
-              <a:rPr sz="1950" spc="-35" dirty="0">
-                <a:solidFill>
-                  <a:srgbClr val="FEFFFF"/>
-                </a:solidFill>
-                <a:latin typeface="Arial Unicode MS"/>
-                <a:cs typeface="Arial Unicode MS"/>
-              </a:rPr>
-              <a:t>medically</a:t>
-            </a:r>
-            <a:r>
-              <a:rPr sz="1950" spc="-140" dirty="0">
-                <a:solidFill>
-                  <a:srgbClr val="FEFFFF"/>
-                </a:solidFill>
-                <a:latin typeface="Arial Unicode MS"/>
-                <a:cs typeface="Arial Unicode MS"/>
-              </a:rPr>
-              <a:t> </a:t>
-            </a:r>
-            <a:r>
-              <a:rPr sz="1950" spc="-60" dirty="0">
-                <a:solidFill>
-                  <a:srgbClr val="FEFFFF"/>
-                </a:solidFill>
-                <a:latin typeface="Arial Unicode MS"/>
-                <a:cs typeface="Arial Unicode MS"/>
-              </a:rPr>
-              <a:t>accurate</a:t>
-            </a:r>
-            <a:r>
-              <a:rPr sz="1950" spc="-145" dirty="0">
-                <a:solidFill>
-                  <a:srgbClr val="FEFFFF"/>
-                </a:solidFill>
-                <a:latin typeface="Arial Unicode MS"/>
-                <a:cs typeface="Arial Unicode MS"/>
-              </a:rPr>
-              <a:t> </a:t>
-            </a:r>
-            <a:r>
-              <a:rPr sz="1950" spc="-5" dirty="0">
-                <a:solidFill>
-                  <a:srgbClr val="FEFFFF"/>
-                </a:solidFill>
-                <a:latin typeface="Arial Unicode MS"/>
-                <a:cs typeface="Arial Unicode MS"/>
-              </a:rPr>
-              <a:t>information</a:t>
-            </a:r>
-            <a:r>
-              <a:rPr sz="1950" spc="-140" dirty="0">
-                <a:solidFill>
-                  <a:srgbClr val="FEFFFF"/>
-                </a:solidFill>
-                <a:latin typeface="Arial Unicode MS"/>
-                <a:cs typeface="Arial Unicode MS"/>
-              </a:rPr>
-              <a:t> </a:t>
-            </a:r>
-            <a:r>
-              <a:rPr sz="1950" spc="-20" dirty="0">
-                <a:solidFill>
-                  <a:srgbClr val="FEFFFF"/>
-                </a:solidFill>
-                <a:latin typeface="Arial Unicode MS"/>
-                <a:cs typeface="Arial Unicode MS"/>
-              </a:rPr>
-              <a:t>about</a:t>
-            </a:r>
-            <a:r>
-              <a:rPr sz="1950" spc="-145" dirty="0">
-                <a:solidFill>
-                  <a:srgbClr val="FEFFFF"/>
-                </a:solidFill>
-                <a:latin typeface="Arial Unicode MS"/>
-                <a:cs typeface="Arial Unicode MS"/>
-              </a:rPr>
-              <a:t> </a:t>
-            </a:r>
-            <a:r>
-              <a:rPr sz="1950" spc="-55" dirty="0">
-                <a:solidFill>
-                  <a:srgbClr val="FEFFFF"/>
-                </a:solidFill>
-                <a:latin typeface="Arial Unicode MS"/>
-                <a:cs typeface="Arial Unicode MS"/>
-              </a:rPr>
-              <a:t>abstinence</a:t>
-            </a:r>
-            <a:r>
-              <a:rPr sz="1950" spc="-140" dirty="0">
-                <a:solidFill>
-                  <a:srgbClr val="FEFFFF"/>
-                </a:solidFill>
-                <a:latin typeface="Arial Unicode MS"/>
-                <a:cs typeface="Arial Unicode MS"/>
-              </a:rPr>
-              <a:t> </a:t>
-            </a:r>
-            <a:r>
-              <a:rPr sz="1950" spc="-50" dirty="0">
-                <a:solidFill>
-                  <a:srgbClr val="FEFFFF"/>
-                </a:solidFill>
-                <a:latin typeface="Arial Unicode MS"/>
-                <a:cs typeface="Arial Unicode MS"/>
-              </a:rPr>
-              <a:t>and </a:t>
-            </a:r>
-            <a:r>
-              <a:rPr sz="1950" spc="-530" dirty="0">
-                <a:solidFill>
-                  <a:srgbClr val="FEFFFF"/>
-                </a:solidFill>
-                <a:latin typeface="Arial Unicode MS"/>
-                <a:cs typeface="Arial Unicode MS"/>
-              </a:rPr>
-              <a:t> </a:t>
-            </a:r>
-            <a:r>
-              <a:rPr sz="1950" spc="-25" dirty="0">
-                <a:solidFill>
-                  <a:srgbClr val="FEFFFF"/>
-                </a:solidFill>
-                <a:latin typeface="Arial Unicode MS"/>
-                <a:cs typeface="Arial Unicode MS"/>
-              </a:rPr>
-              <a:t>contraception</a:t>
-            </a:r>
-            <a:r>
-              <a:rPr sz="1950" spc="-155" dirty="0">
-                <a:solidFill>
-                  <a:srgbClr val="FEFFFF"/>
-                </a:solidFill>
-                <a:latin typeface="Arial Unicode MS"/>
-                <a:cs typeface="Arial Unicode MS"/>
-              </a:rPr>
-              <a:t> </a:t>
-            </a:r>
-            <a:r>
-              <a:rPr sz="1950" spc="-60" dirty="0">
-                <a:solidFill>
-                  <a:srgbClr val="FEFFFF"/>
-                </a:solidFill>
-                <a:latin typeface="Arial Unicode MS"/>
-                <a:cs typeface="Arial Unicode MS"/>
-              </a:rPr>
-              <a:t>especially</a:t>
-            </a:r>
-            <a:r>
-              <a:rPr sz="1950" spc="-155" dirty="0">
-                <a:solidFill>
-                  <a:srgbClr val="FEFFFF"/>
-                </a:solidFill>
-                <a:latin typeface="Arial Unicode MS"/>
-                <a:cs typeface="Arial Unicode MS"/>
-              </a:rPr>
-              <a:t> </a:t>
-            </a:r>
-            <a:r>
-              <a:rPr sz="1950" spc="-25" dirty="0">
-                <a:solidFill>
-                  <a:srgbClr val="FEFFFF"/>
-                </a:solidFill>
-                <a:latin typeface="Arial Unicode MS"/>
-                <a:cs typeface="Arial Unicode MS"/>
-              </a:rPr>
-              <a:t>after</a:t>
-            </a:r>
-            <a:r>
-              <a:rPr sz="1950" spc="-155" dirty="0">
-                <a:solidFill>
-                  <a:srgbClr val="FEFFFF"/>
-                </a:solidFill>
-                <a:latin typeface="Arial Unicode MS"/>
-                <a:cs typeface="Arial Unicode MS"/>
-              </a:rPr>
-              <a:t> </a:t>
-            </a:r>
-            <a:r>
-              <a:rPr sz="1950" spc="-25" dirty="0">
-                <a:solidFill>
-                  <a:srgbClr val="FEFFFF"/>
-                </a:solidFill>
-                <a:latin typeface="Arial Unicode MS"/>
-                <a:cs typeface="Arial Unicode MS"/>
-              </a:rPr>
-              <a:t>primary</a:t>
-            </a:r>
-            <a:r>
-              <a:rPr sz="1950" spc="-150" dirty="0">
-                <a:solidFill>
-                  <a:srgbClr val="FEFFFF"/>
-                </a:solidFill>
-                <a:latin typeface="Arial Unicode MS"/>
-                <a:cs typeface="Arial Unicode MS"/>
-              </a:rPr>
-              <a:t> </a:t>
-            </a:r>
-            <a:r>
-              <a:rPr sz="1950" spc="-55" dirty="0">
-                <a:solidFill>
-                  <a:srgbClr val="FEFFFF"/>
-                </a:solidFill>
-                <a:latin typeface="Arial Unicode MS"/>
-                <a:cs typeface="Arial Unicode MS"/>
-              </a:rPr>
-              <a:t>school</a:t>
-            </a:r>
-            <a:r>
-              <a:rPr sz="1950" spc="-155" dirty="0">
-                <a:solidFill>
-                  <a:srgbClr val="FEFFFF"/>
-                </a:solidFill>
-                <a:latin typeface="Arial Unicode MS"/>
-                <a:cs typeface="Arial Unicode MS"/>
-              </a:rPr>
-              <a:t> </a:t>
-            </a:r>
-            <a:r>
-              <a:rPr sz="1950" spc="-50" dirty="0">
-                <a:solidFill>
-                  <a:srgbClr val="FEFFFF"/>
-                </a:solidFill>
-                <a:latin typeface="Arial Unicode MS"/>
-                <a:cs typeface="Arial Unicode MS"/>
-              </a:rPr>
-              <a:t>and</a:t>
-            </a:r>
-            <a:r>
-              <a:rPr sz="1950" spc="-155" dirty="0">
-                <a:solidFill>
-                  <a:srgbClr val="FEFFFF"/>
-                </a:solidFill>
-                <a:latin typeface="Arial Unicode MS"/>
-                <a:cs typeface="Arial Unicode MS"/>
-              </a:rPr>
-              <a:t> </a:t>
-            </a:r>
-            <a:r>
-              <a:rPr sz="1950" spc="-65" dirty="0">
-                <a:solidFill>
-                  <a:srgbClr val="FEFFFF"/>
-                </a:solidFill>
-                <a:latin typeface="Arial Unicode MS"/>
-                <a:cs typeface="Arial Unicode MS"/>
-              </a:rPr>
-              <a:t>also</a:t>
-            </a:r>
-            <a:r>
-              <a:rPr sz="1950" spc="-150" dirty="0">
-                <a:solidFill>
-                  <a:srgbClr val="FEFFFF"/>
-                </a:solidFill>
-                <a:latin typeface="Arial Unicode MS"/>
-                <a:cs typeface="Arial Unicode MS"/>
-              </a:rPr>
-              <a:t> </a:t>
-            </a:r>
-            <a:r>
-              <a:rPr sz="1950" spc="5" dirty="0">
-                <a:solidFill>
-                  <a:srgbClr val="FEFFFF"/>
-                </a:solidFill>
-                <a:latin typeface="Arial Unicode MS"/>
-                <a:cs typeface="Arial Unicode MS"/>
-              </a:rPr>
-              <a:t>in</a:t>
-            </a:r>
-            <a:r>
-              <a:rPr sz="1950" spc="-155" dirty="0">
-                <a:solidFill>
-                  <a:srgbClr val="FEFFFF"/>
-                </a:solidFill>
-                <a:latin typeface="Arial Unicode MS"/>
-                <a:cs typeface="Arial Unicode MS"/>
-              </a:rPr>
-              <a:t> </a:t>
-            </a:r>
-            <a:r>
-              <a:rPr sz="1950" spc="-105" dirty="0">
-                <a:solidFill>
-                  <a:srgbClr val="FEFFFF"/>
-                </a:solidFill>
-                <a:latin typeface="Arial Unicode MS"/>
-                <a:cs typeface="Arial Unicode MS"/>
-              </a:rPr>
-              <a:t>a</a:t>
-            </a:r>
-            <a:r>
-              <a:rPr sz="1950" spc="-155" dirty="0">
-                <a:solidFill>
-                  <a:srgbClr val="FEFFFF"/>
-                </a:solidFill>
-                <a:latin typeface="Arial Unicode MS"/>
-                <a:cs typeface="Arial Unicode MS"/>
-              </a:rPr>
-              <a:t> </a:t>
-            </a:r>
-            <a:r>
-              <a:rPr sz="1950" spc="-40" dirty="0">
-                <a:solidFill>
-                  <a:srgbClr val="FEFFFF"/>
-                </a:solidFill>
-                <a:latin typeface="Arial Unicode MS"/>
-                <a:cs typeface="Arial Unicode MS"/>
-              </a:rPr>
-              <a:t>religious</a:t>
-            </a:r>
-            <a:r>
-              <a:rPr sz="1950" spc="-150" dirty="0">
-                <a:solidFill>
-                  <a:srgbClr val="FEFFFF"/>
-                </a:solidFill>
-                <a:latin typeface="Arial Unicode MS"/>
-                <a:cs typeface="Arial Unicode MS"/>
-              </a:rPr>
-              <a:t> </a:t>
-            </a:r>
-            <a:r>
-              <a:rPr sz="1950" spc="-35" dirty="0">
-                <a:solidFill>
-                  <a:srgbClr val="FEFFFF"/>
-                </a:solidFill>
-                <a:latin typeface="Arial Unicode MS"/>
-                <a:cs typeface="Arial Unicode MS"/>
-              </a:rPr>
               <a:t>environment.</a:t>
             </a:r>
-            <a:endParaRPr sz="1950">
+            <a:endParaRPr sz="1950" dirty="0">
               <a:latin typeface="Arial Unicode MS"/>
               <a:cs typeface="Arial Unicode MS"/>
             </a:endParaRPr>
@@ -3390,7 +3400,7 @@
               </a:rPr>
               <a:t>services.</a:t>
             </a:r>
-            <a:endParaRPr sz="1950">
+            <a:endParaRPr sz="1950" dirty="0">
               <a:latin typeface="Arial Unicode MS"/>
               <a:cs typeface="Arial Unicode MS"/>
             </a:endParaRPr>
@@ -3674,7 +3684,7 @@
               </a:rPr>
               <a:t>abortion).</a:t>
             </a:r>
-            <a:endParaRPr sz="1950">
+            <a:endParaRPr sz="1950" dirty="0">
               <a:latin typeface="Arial Unicode MS"/>
               <a:cs typeface="Arial Unicode MS"/>
             </a:endParaRPr>
@@ -3858,7 +3868,7 @@
               </a:rPr>
               <a:t>abuse.</a:t>
             </a:r>
-            <a:endParaRPr sz="1950">
+            <a:endParaRPr sz="1950" dirty="0">
               <a:latin typeface="Arial Unicode MS"/>
               <a:cs typeface="Arial Unicode MS"/>
             </a:endParaRPr>
@@ -4704,7 +4714,7 @@
         <p:spPr>
           <a:xfrm>
             <a:off x="1665068" y="3550871"/>
-            <a:ext cx="10201275" cy="4003675"/>
+            <a:ext cx="10201275" cy="2250615"/>
           </a:xfrm>
           <a:prstGeom prst="rect">
             <a:avLst/>
@@ -4754,7 +4764,7 @@
               </a:rPr>
               <a:t>features</a:t>
             </a:r>
-            <a:endParaRPr sz="5250">
+            <a:endParaRPr sz="5250" dirty="0">
               <a:latin typeface="Verdana"/>
               <a:cs typeface="Verdana"/>
             </a:endParaRPr>
@@ -4798,7 +4808,7 @@
               </a:rPr>
               <a:t>Religion</a:t>
             </a:r>
-            <a:endParaRPr sz="2100">
+            <a:endParaRPr sz="2100" dirty="0">
               <a:latin typeface="Verdana"/>
               <a:cs typeface="Verdana"/>
             </a:endParaRPr>
@@ -4972,7 +4982,7 @@
               </a:rPr>
               <a:t>l</a:t>
             </a:r>
-            <a:endParaRPr sz="2100">
+            <a:endParaRPr sz="2100" dirty="0">
               <a:latin typeface="Verdana"/>
               <a:cs typeface="Verdana"/>
             </a:endParaRPr>
@@ -5086,7 +5096,7 @@
               </a:rPr>
               <a:t>a</a:t>
             </a:r>
-            <a:endParaRPr sz="2100">
+            <a:endParaRPr sz="2100" dirty="0">
               <a:latin typeface="Verdana"/>
               <a:cs typeface="Verdana"/>
             </a:endParaRPr>
@@ -5330,1293 +5340,9 @@
               </a:rPr>
               <a:t>s</a:t>
             </a:r>
-            <a:endParaRPr sz="2100">
+            <a:endParaRPr sz="2100" dirty="0">
               <a:latin typeface="Verdana"/>
               <a:cs typeface="Verdana"/>
-            </a:endParaRPr>
-          </a:p>
-          <a:p>
-            <a:pPr marL="12700" marR="5080">
-              <a:lnSpc>
-                <a:spcPct val="100800"/>
-              </a:lnSpc>
-              <a:spcBef>
-                <a:spcPts val="1415"/>
-              </a:spcBef>
-            </a:pPr>
-            <a:r>
-              <a:rPr sz="2050" b="1" spc="105" dirty="0">
-                <a:solidFill>
-                  <a:srgbClr val="254E72"/>
-                </a:solidFill>
-                <a:latin typeface="Calibri"/>
-                <a:cs typeface="Calibri"/>
-              </a:rPr>
-              <a:t>The</a:t>
-            </a:r>
-            <a:r>
-              <a:rPr sz="2050" b="1" spc="120" dirty="0">
-                <a:solidFill>
-                  <a:srgbClr val="254E72"/>
-                </a:solidFill>
-                <a:latin typeface="Calibri"/>
-                <a:cs typeface="Calibri"/>
-              </a:rPr>
-              <a:t> </a:t>
-            </a:r>
-            <a:r>
-              <a:rPr sz="2050" b="1" spc="114" dirty="0">
-                <a:solidFill>
-                  <a:srgbClr val="254E72"/>
-                </a:solidFill>
-                <a:latin typeface="Calibri"/>
-                <a:cs typeface="Calibri"/>
-              </a:rPr>
-              <a:t>topics</a:t>
-            </a:r>
-            <a:r>
-              <a:rPr sz="2050" b="1" spc="120" dirty="0">
-                <a:solidFill>
-                  <a:srgbClr val="254E72"/>
-                </a:solidFill>
-                <a:latin typeface="Calibri"/>
-                <a:cs typeface="Calibri"/>
-              </a:rPr>
-              <a:t> </a:t>
-            </a:r>
-            <a:r>
-              <a:rPr sz="2050" b="1" spc="85" dirty="0">
-                <a:solidFill>
-                  <a:srgbClr val="254E72"/>
-                </a:solidFill>
-                <a:latin typeface="Calibri"/>
-                <a:cs typeface="Calibri"/>
-              </a:rPr>
-              <a:t>from</a:t>
-            </a:r>
-            <a:r>
-              <a:rPr sz="2050" b="1" spc="120" dirty="0">
-                <a:solidFill>
-                  <a:srgbClr val="254E72"/>
-                </a:solidFill>
-                <a:latin typeface="Calibri"/>
-                <a:cs typeface="Calibri"/>
-              </a:rPr>
-              <a:t> </a:t>
-            </a:r>
-            <a:r>
-              <a:rPr sz="2050" b="1" spc="75" dirty="0">
-                <a:solidFill>
-                  <a:srgbClr val="254E72"/>
-                </a:solidFill>
-                <a:latin typeface="Calibri"/>
-                <a:cs typeface="Calibri"/>
-              </a:rPr>
-              <a:t>the</a:t>
-            </a:r>
-            <a:r>
-              <a:rPr sz="2050" b="1" spc="120" dirty="0">
-                <a:solidFill>
-                  <a:srgbClr val="254E72"/>
-                </a:solidFill>
-                <a:latin typeface="Calibri"/>
-                <a:cs typeface="Calibri"/>
-              </a:rPr>
-              <a:t> </a:t>
-            </a:r>
-            <a:r>
-              <a:rPr sz="2050" b="1" spc="125" dirty="0">
-                <a:solidFill>
-                  <a:srgbClr val="254E72"/>
-                </a:solidFill>
-                <a:latin typeface="Calibri"/>
-                <a:cs typeface="Calibri"/>
-              </a:rPr>
-              <a:t>columns</a:t>
-            </a:r>
-            <a:r>
-              <a:rPr sz="2050" b="1" spc="120" dirty="0">
-                <a:solidFill>
-                  <a:srgbClr val="254E72"/>
-                </a:solidFill>
-                <a:latin typeface="Calibri"/>
-                <a:cs typeface="Calibri"/>
-              </a:rPr>
-              <a:t> </a:t>
-            </a:r>
-            <a:r>
-              <a:rPr sz="2050" b="1" spc="114" dirty="0">
-                <a:solidFill>
-                  <a:srgbClr val="254E72"/>
-                </a:solidFill>
-                <a:latin typeface="Calibri"/>
-                <a:cs typeface="Calibri"/>
-              </a:rPr>
-              <a:t>topicIds</a:t>
-            </a:r>
-            <a:r>
-              <a:rPr sz="2050" b="1" spc="120" dirty="0">
-                <a:solidFill>
-                  <a:srgbClr val="254E72"/>
-                </a:solidFill>
-                <a:latin typeface="Calibri"/>
-                <a:cs typeface="Calibri"/>
-              </a:rPr>
-              <a:t> </a:t>
-            </a:r>
-            <a:r>
-              <a:rPr sz="2050" b="1" spc="105" dirty="0">
-                <a:solidFill>
-                  <a:srgbClr val="254E72"/>
-                </a:solidFill>
-                <a:latin typeface="Calibri"/>
-                <a:cs typeface="Calibri"/>
-              </a:rPr>
-              <a:t>and</a:t>
-            </a:r>
-            <a:r>
-              <a:rPr sz="2050" b="1" spc="120" dirty="0">
-                <a:solidFill>
-                  <a:srgbClr val="254E72"/>
-                </a:solidFill>
-                <a:latin typeface="Calibri"/>
-                <a:cs typeface="Calibri"/>
-              </a:rPr>
-              <a:t> </a:t>
-            </a:r>
-            <a:r>
-              <a:rPr sz="2050" b="1" spc="114" dirty="0">
-                <a:solidFill>
-                  <a:srgbClr val="254E72"/>
-                </a:solidFill>
-                <a:latin typeface="Calibri"/>
-                <a:cs typeface="Calibri"/>
-              </a:rPr>
-              <a:t>relevantTopicIds</a:t>
-            </a:r>
-            <a:r>
-              <a:rPr sz="2050" b="1" spc="120" dirty="0">
-                <a:solidFill>
-                  <a:srgbClr val="254E72"/>
-                </a:solidFill>
-                <a:latin typeface="Calibri"/>
-                <a:cs typeface="Calibri"/>
-              </a:rPr>
-              <a:t> </a:t>
-            </a:r>
-            <a:r>
-              <a:rPr sz="2050" b="1" spc="114" dirty="0">
-                <a:solidFill>
-                  <a:srgbClr val="254E72"/>
-                </a:solidFill>
-                <a:latin typeface="Calibri"/>
-                <a:cs typeface="Calibri"/>
-              </a:rPr>
-              <a:t>could</a:t>
-            </a:r>
-            <a:r>
-              <a:rPr sz="2050" b="1" spc="120" dirty="0">
-                <a:solidFill>
-                  <a:srgbClr val="254E72"/>
-                </a:solidFill>
-                <a:latin typeface="Calibri"/>
-                <a:cs typeface="Calibri"/>
-              </a:rPr>
-              <a:t> </a:t>
-            </a:r>
-            <a:r>
-              <a:rPr sz="2050" b="1" spc="85" dirty="0">
-                <a:solidFill>
-                  <a:srgbClr val="254E72"/>
-                </a:solidFill>
-                <a:latin typeface="Calibri"/>
-                <a:cs typeface="Calibri"/>
-              </a:rPr>
-              <a:t>not</a:t>
-            </a:r>
-            <a:r>
-              <a:rPr sz="2050" b="1" spc="120" dirty="0">
-                <a:solidFill>
-                  <a:srgbClr val="254E72"/>
-                </a:solidFill>
-                <a:latin typeface="Calibri"/>
-                <a:cs typeface="Calibri"/>
-              </a:rPr>
-              <a:t> </a:t>
-            </a:r>
-            <a:r>
-              <a:rPr sz="2050" b="1" spc="70" dirty="0">
-                <a:solidFill>
-                  <a:srgbClr val="254E72"/>
-                </a:solidFill>
-                <a:latin typeface="Calibri"/>
-                <a:cs typeface="Calibri"/>
-              </a:rPr>
-              <a:t>be</a:t>
-            </a:r>
-            <a:r>
-              <a:rPr sz="2050" b="1" spc="120" dirty="0">
-                <a:solidFill>
-                  <a:srgbClr val="254E72"/>
-                </a:solidFill>
-                <a:latin typeface="Calibri"/>
-                <a:cs typeface="Calibri"/>
-              </a:rPr>
-              <a:t> </a:t>
-            </a:r>
-            <a:r>
-              <a:rPr sz="2050" b="1" spc="105" dirty="0">
-                <a:solidFill>
-                  <a:srgbClr val="254E72"/>
-                </a:solidFill>
-                <a:latin typeface="Calibri"/>
-                <a:cs typeface="Calibri"/>
-              </a:rPr>
-              <a:t>used</a:t>
-            </a:r>
-            <a:r>
-              <a:rPr sz="2050" b="1" spc="120" dirty="0">
-                <a:solidFill>
-                  <a:srgbClr val="254E72"/>
-                </a:solidFill>
-                <a:latin typeface="Calibri"/>
-                <a:cs typeface="Calibri"/>
-              </a:rPr>
-              <a:t> </a:t>
-            </a:r>
-            <a:r>
-              <a:rPr sz="2050" b="1" spc="75" dirty="0">
-                <a:solidFill>
-                  <a:srgbClr val="254E72"/>
-                </a:solidFill>
-                <a:latin typeface="Calibri"/>
-                <a:cs typeface="Calibri"/>
-              </a:rPr>
-              <a:t>in</a:t>
-            </a:r>
-            <a:r>
-              <a:rPr sz="2050" b="1" spc="120" dirty="0">
-                <a:solidFill>
-                  <a:srgbClr val="254E72"/>
-                </a:solidFill>
-                <a:latin typeface="Calibri"/>
-                <a:cs typeface="Calibri"/>
-              </a:rPr>
-              <a:t> </a:t>
-            </a:r>
-            <a:r>
-              <a:rPr sz="2050" b="1" spc="85" dirty="0">
-                <a:solidFill>
-                  <a:srgbClr val="254E72"/>
-                </a:solidFill>
-                <a:latin typeface="Calibri"/>
-                <a:cs typeface="Calibri"/>
-              </a:rPr>
-              <a:t>our </a:t>
-            </a:r>
-            <a:r>
-              <a:rPr sz="2050" b="1" spc="-450" dirty="0">
-                <a:solidFill>
-                  <a:srgbClr val="254E72"/>
-                </a:solidFill>
-                <a:latin typeface="Calibri"/>
-                <a:cs typeface="Calibri"/>
-              </a:rPr>
-              <a:t> </a:t>
-            </a:r>
-            <a:r>
-              <a:rPr sz="2050" b="1" spc="100" dirty="0">
-                <a:solidFill>
-                  <a:srgbClr val="254E72"/>
-                </a:solidFill>
-                <a:latin typeface="Calibri"/>
-                <a:cs typeface="Calibri"/>
-              </a:rPr>
-              <a:t>project.</a:t>
-            </a:r>
-            <a:r>
-              <a:rPr sz="2050" b="1" spc="114" dirty="0">
-                <a:solidFill>
-                  <a:srgbClr val="254E72"/>
-                </a:solidFill>
-                <a:latin typeface="Calibri"/>
-                <a:cs typeface="Calibri"/>
-              </a:rPr>
-              <a:t> </a:t>
-            </a:r>
-            <a:r>
-              <a:rPr sz="2050" b="1" spc="110" dirty="0">
-                <a:solidFill>
-                  <a:srgbClr val="254E72"/>
-                </a:solidFill>
-                <a:latin typeface="Calibri"/>
-                <a:cs typeface="Calibri"/>
-              </a:rPr>
-              <a:t>To</a:t>
-            </a:r>
-            <a:r>
-              <a:rPr sz="2050" b="1" spc="114" dirty="0">
-                <a:solidFill>
-                  <a:srgbClr val="254E72"/>
-                </a:solidFill>
-                <a:latin typeface="Calibri"/>
-                <a:cs typeface="Calibri"/>
-              </a:rPr>
-              <a:t> </a:t>
-            </a:r>
-            <a:r>
-              <a:rPr sz="2050" b="1" spc="100" dirty="0">
-                <a:solidFill>
-                  <a:srgbClr val="254E72"/>
-                </a:solidFill>
-                <a:latin typeface="Calibri"/>
-                <a:cs typeface="Calibri"/>
-              </a:rPr>
-              <a:t>extract</a:t>
-            </a:r>
-            <a:r>
-              <a:rPr sz="2050" b="1" spc="114" dirty="0">
-                <a:solidFill>
-                  <a:srgbClr val="254E72"/>
-                </a:solidFill>
-                <a:latin typeface="Calibri"/>
-                <a:cs typeface="Calibri"/>
-              </a:rPr>
-              <a:t> </a:t>
-            </a:r>
-            <a:r>
-              <a:rPr sz="2050" b="1" spc="75" dirty="0">
-                <a:solidFill>
-                  <a:srgbClr val="254E72"/>
-                </a:solidFill>
-                <a:latin typeface="Calibri"/>
-                <a:cs typeface="Calibri"/>
-              </a:rPr>
-              <a:t>the</a:t>
-            </a:r>
-            <a:r>
-              <a:rPr sz="2050" b="1" spc="114" dirty="0">
-                <a:solidFill>
-                  <a:srgbClr val="254E72"/>
-                </a:solidFill>
-                <a:latin typeface="Calibri"/>
-                <a:cs typeface="Calibri"/>
-              </a:rPr>
-              <a:t> topics </a:t>
-            </a:r>
-            <a:r>
-              <a:rPr sz="2050" b="1" spc="40" dirty="0">
-                <a:solidFill>
-                  <a:srgbClr val="254E72"/>
-                </a:solidFill>
-                <a:latin typeface="Calibri"/>
-                <a:cs typeface="Calibri"/>
-              </a:rPr>
-              <a:t>we</a:t>
-            </a:r>
-            <a:r>
-              <a:rPr sz="2050" b="1" spc="114" dirty="0">
-                <a:solidFill>
-                  <a:srgbClr val="254E72"/>
-                </a:solidFill>
-                <a:latin typeface="Calibri"/>
-                <a:cs typeface="Calibri"/>
-              </a:rPr>
-              <a:t> </a:t>
-            </a:r>
-            <a:r>
-              <a:rPr sz="2050" b="1" spc="100" dirty="0">
-                <a:solidFill>
-                  <a:srgbClr val="254E72"/>
-                </a:solidFill>
-                <a:latin typeface="Calibri"/>
-                <a:cs typeface="Calibri"/>
-              </a:rPr>
-              <a:t>needed</a:t>
-            </a:r>
-            <a:r>
-              <a:rPr sz="2050" b="1" spc="114" dirty="0">
-                <a:solidFill>
-                  <a:srgbClr val="254E72"/>
-                </a:solidFill>
-                <a:latin typeface="Calibri"/>
-                <a:cs typeface="Calibri"/>
-              </a:rPr>
-              <a:t> </a:t>
-            </a:r>
-            <a:r>
-              <a:rPr sz="2050" b="1" spc="60" dirty="0">
-                <a:solidFill>
-                  <a:srgbClr val="254E72"/>
-                </a:solidFill>
-                <a:latin typeface="Calibri"/>
-                <a:cs typeface="Calibri"/>
-              </a:rPr>
-              <a:t>to</a:t>
-            </a:r>
-            <a:r>
-              <a:rPr sz="2050" b="1" spc="114" dirty="0">
-                <a:solidFill>
-                  <a:srgbClr val="254E72"/>
-                </a:solidFill>
-                <a:latin typeface="Calibri"/>
-                <a:cs typeface="Calibri"/>
-              </a:rPr>
-              <a:t> </a:t>
-            </a:r>
-            <a:r>
-              <a:rPr sz="2050" b="1" spc="90" dirty="0">
-                <a:solidFill>
-                  <a:srgbClr val="254E72"/>
-                </a:solidFill>
-                <a:latin typeface="Calibri"/>
-                <a:cs typeface="Calibri"/>
-              </a:rPr>
-              <a:t>use</a:t>
-            </a:r>
-            <a:r>
-              <a:rPr sz="2050" b="1" spc="114" dirty="0">
-                <a:solidFill>
-                  <a:srgbClr val="254E72"/>
-                </a:solidFill>
-                <a:latin typeface="Calibri"/>
-                <a:cs typeface="Calibri"/>
-              </a:rPr>
-              <a:t> </a:t>
-            </a:r>
-            <a:r>
-              <a:rPr sz="2050" b="1" spc="75" dirty="0">
-                <a:solidFill>
-                  <a:srgbClr val="254E72"/>
-                </a:solidFill>
-                <a:latin typeface="Calibri"/>
-                <a:cs typeface="Calibri"/>
-              </a:rPr>
-              <a:t>the</a:t>
-            </a:r>
-            <a:r>
-              <a:rPr sz="2050" b="1" spc="120" dirty="0">
-                <a:solidFill>
-                  <a:srgbClr val="254E72"/>
-                </a:solidFill>
-                <a:latin typeface="Calibri"/>
-                <a:cs typeface="Calibri"/>
-              </a:rPr>
-              <a:t> </a:t>
-            </a:r>
-            <a:r>
-              <a:rPr sz="2050" b="1" spc="110" dirty="0">
-                <a:solidFill>
-                  <a:srgbClr val="254E72"/>
-                </a:solidFill>
-                <a:latin typeface="Calibri"/>
-                <a:cs typeface="Calibri"/>
-              </a:rPr>
-              <a:t>Freebase</a:t>
-            </a:r>
-            <a:r>
-              <a:rPr sz="2050" b="1" spc="114" dirty="0">
-                <a:solidFill>
-                  <a:srgbClr val="254E72"/>
-                </a:solidFill>
-                <a:latin typeface="Calibri"/>
-                <a:cs typeface="Calibri"/>
-              </a:rPr>
-              <a:t> </a:t>
-            </a:r>
-            <a:r>
-              <a:rPr sz="2050" b="1" spc="60" dirty="0">
-                <a:solidFill>
-                  <a:srgbClr val="254E72"/>
-                </a:solidFill>
-                <a:latin typeface="Calibri"/>
-                <a:cs typeface="Calibri"/>
-              </a:rPr>
-              <a:t>API</a:t>
-            </a:r>
-            <a:r>
-              <a:rPr sz="2050" b="1" spc="114" dirty="0">
-                <a:solidFill>
-                  <a:srgbClr val="254E72"/>
-                </a:solidFill>
-                <a:latin typeface="Calibri"/>
-                <a:cs typeface="Calibri"/>
-              </a:rPr>
-              <a:t> </a:t>
-            </a:r>
-            <a:r>
-              <a:rPr sz="2050" b="1" spc="105" dirty="0">
-                <a:solidFill>
-                  <a:srgbClr val="254E72"/>
-                </a:solidFill>
-                <a:latin typeface="Calibri"/>
-                <a:cs typeface="Calibri"/>
-              </a:rPr>
-              <a:t>which</a:t>
-            </a:r>
-            <a:r>
-              <a:rPr sz="2050" b="1" spc="114" dirty="0">
-                <a:solidFill>
-                  <a:srgbClr val="254E72"/>
-                </a:solidFill>
-                <a:latin typeface="Calibri"/>
-                <a:cs typeface="Calibri"/>
-              </a:rPr>
-              <a:t> </a:t>
-            </a:r>
-            <a:r>
-              <a:rPr sz="2050" b="1" spc="105" dirty="0">
-                <a:solidFill>
-                  <a:srgbClr val="254E72"/>
-                </a:solidFill>
-                <a:latin typeface="Calibri"/>
-                <a:cs typeface="Calibri"/>
-              </a:rPr>
-              <a:t>had</a:t>
-            </a:r>
-            <a:r>
-              <a:rPr sz="2050" b="1" spc="114" dirty="0">
-                <a:solidFill>
-                  <a:srgbClr val="254E72"/>
-                </a:solidFill>
-                <a:latin typeface="Calibri"/>
-                <a:cs typeface="Calibri"/>
-              </a:rPr>
-              <a:t> </a:t>
-            </a:r>
-            <a:r>
-              <a:rPr sz="2050" b="1" spc="60" dirty="0">
-                <a:solidFill>
-                  <a:srgbClr val="254E72"/>
-                </a:solidFill>
-                <a:latin typeface="Calibri"/>
-                <a:cs typeface="Calibri"/>
-              </a:rPr>
-              <a:t>to</a:t>
-            </a:r>
-            <a:r>
-              <a:rPr sz="2050" b="1" spc="114" dirty="0">
-                <a:solidFill>
-                  <a:srgbClr val="254E72"/>
-                </a:solidFill>
-                <a:latin typeface="Calibri"/>
-                <a:cs typeface="Calibri"/>
-              </a:rPr>
-              <a:t> </a:t>
-            </a:r>
-            <a:r>
-              <a:rPr sz="2050" b="1" spc="70" dirty="0">
-                <a:solidFill>
-                  <a:srgbClr val="254E72"/>
-                </a:solidFill>
-                <a:latin typeface="Calibri"/>
-                <a:cs typeface="Calibri"/>
-              </a:rPr>
-              <a:t>be </a:t>
-            </a:r>
-            <a:r>
-              <a:rPr sz="2050" b="1" spc="75" dirty="0">
-                <a:solidFill>
-                  <a:srgbClr val="254E72"/>
-                </a:solidFill>
-                <a:latin typeface="Calibri"/>
-                <a:cs typeface="Calibri"/>
-              </a:rPr>
-              <a:t> </a:t>
-            </a:r>
-            <a:r>
-              <a:rPr sz="2050" b="1" spc="105" dirty="0">
-                <a:solidFill>
-                  <a:srgbClr val="254E72"/>
-                </a:solidFill>
-                <a:latin typeface="Calibri"/>
-                <a:cs typeface="Calibri"/>
-              </a:rPr>
-              <a:t>integrated</a:t>
-            </a:r>
-            <a:r>
-              <a:rPr sz="2050" b="1" spc="114" dirty="0">
-                <a:solidFill>
-                  <a:srgbClr val="254E72"/>
-                </a:solidFill>
-                <a:latin typeface="Calibri"/>
-                <a:cs typeface="Calibri"/>
-              </a:rPr>
-              <a:t> </a:t>
-            </a:r>
-            <a:r>
-              <a:rPr sz="2050" b="1" spc="80" dirty="0">
-                <a:solidFill>
-                  <a:srgbClr val="254E72"/>
-                </a:solidFill>
-                <a:latin typeface="Calibri"/>
-                <a:cs typeface="Calibri"/>
-              </a:rPr>
-              <a:t>with</a:t>
-            </a:r>
-            <a:r>
-              <a:rPr sz="2050" b="1" spc="120" dirty="0">
-                <a:solidFill>
-                  <a:srgbClr val="254E72"/>
-                </a:solidFill>
-                <a:latin typeface="Calibri"/>
-                <a:cs typeface="Calibri"/>
-              </a:rPr>
-              <a:t> </a:t>
-            </a:r>
-            <a:r>
-              <a:rPr sz="2050" b="1" spc="85" dirty="0">
-                <a:solidFill>
-                  <a:srgbClr val="254E72"/>
-                </a:solidFill>
-                <a:latin typeface="Calibri"/>
-                <a:cs typeface="Calibri"/>
-              </a:rPr>
-              <a:t>our</a:t>
-            </a:r>
-            <a:r>
-              <a:rPr sz="2050" b="1" spc="120" dirty="0">
-                <a:solidFill>
-                  <a:srgbClr val="254E72"/>
-                </a:solidFill>
-                <a:latin typeface="Calibri"/>
-                <a:cs typeface="Calibri"/>
-              </a:rPr>
-              <a:t> </a:t>
-            </a:r>
-            <a:r>
-              <a:rPr sz="2050" b="1" spc="100" dirty="0">
-                <a:solidFill>
-                  <a:srgbClr val="254E72"/>
-                </a:solidFill>
-                <a:latin typeface="Calibri"/>
-                <a:cs typeface="Calibri"/>
-              </a:rPr>
-              <a:t>project</a:t>
-            </a:r>
-            <a:r>
-              <a:rPr sz="2050" b="1" spc="114" dirty="0">
-                <a:solidFill>
-                  <a:srgbClr val="254E72"/>
-                </a:solidFill>
-                <a:latin typeface="Calibri"/>
-                <a:cs typeface="Calibri"/>
-              </a:rPr>
-              <a:t> </a:t>
-            </a:r>
-            <a:r>
-              <a:rPr sz="2050" b="1" spc="100" dirty="0">
-                <a:solidFill>
-                  <a:srgbClr val="254E72"/>
-                </a:solidFill>
-                <a:latin typeface="Calibri"/>
-                <a:cs typeface="Calibri"/>
-              </a:rPr>
-              <a:t>code.</a:t>
-            </a:r>
-            <a:r>
-              <a:rPr sz="2050" b="1" spc="120" dirty="0">
-                <a:solidFill>
-                  <a:srgbClr val="254E72"/>
-                </a:solidFill>
-                <a:latin typeface="Calibri"/>
-                <a:cs typeface="Calibri"/>
-              </a:rPr>
-              <a:t> This </a:t>
-            </a:r>
-            <a:r>
-              <a:rPr sz="2050" b="1" spc="90" dirty="0">
-                <a:solidFill>
-                  <a:srgbClr val="254E72"/>
-                </a:solidFill>
-                <a:latin typeface="Calibri"/>
-                <a:cs typeface="Calibri"/>
-              </a:rPr>
-              <a:t>was</a:t>
-            </a:r>
-            <a:r>
-              <a:rPr sz="2050" b="1" spc="114" dirty="0">
-                <a:solidFill>
-                  <a:srgbClr val="254E72"/>
-                </a:solidFill>
-                <a:latin typeface="Calibri"/>
-                <a:cs typeface="Calibri"/>
-              </a:rPr>
-              <a:t> </a:t>
-            </a:r>
-            <a:r>
-              <a:rPr sz="2050" b="1" spc="125" dirty="0">
-                <a:solidFill>
-                  <a:srgbClr val="254E72"/>
-                </a:solidFill>
-                <a:latin typeface="Calibri"/>
-                <a:cs typeface="Calibri"/>
-              </a:rPr>
-              <a:t>causing</a:t>
-            </a:r>
-            <a:r>
-              <a:rPr sz="2050" b="1" spc="120" dirty="0">
-                <a:solidFill>
-                  <a:srgbClr val="254E72"/>
-                </a:solidFill>
-                <a:latin typeface="Calibri"/>
-                <a:cs typeface="Calibri"/>
-              </a:rPr>
-              <a:t> </a:t>
-            </a:r>
-            <a:r>
-              <a:rPr sz="2050" b="1" spc="50" dirty="0">
-                <a:solidFill>
-                  <a:srgbClr val="254E72"/>
-                </a:solidFill>
-                <a:latin typeface="Calibri"/>
-                <a:cs typeface="Calibri"/>
-              </a:rPr>
-              <a:t>few</a:t>
-            </a:r>
-            <a:r>
-              <a:rPr sz="2050" b="1" spc="120" dirty="0">
-                <a:solidFill>
-                  <a:srgbClr val="254E72"/>
-                </a:solidFill>
-                <a:latin typeface="Calibri"/>
-                <a:cs typeface="Calibri"/>
-              </a:rPr>
-              <a:t> </a:t>
-            </a:r>
-            <a:r>
-              <a:rPr sz="2050" b="1" spc="110" dirty="0">
-                <a:solidFill>
-                  <a:srgbClr val="254E72"/>
-                </a:solidFill>
-                <a:latin typeface="Calibri"/>
-                <a:cs typeface="Calibri"/>
-              </a:rPr>
-              <a:t>issues</a:t>
-            </a:r>
-            <a:r>
-              <a:rPr sz="2050" b="1" spc="114" dirty="0">
-                <a:solidFill>
-                  <a:srgbClr val="254E72"/>
-                </a:solidFill>
-                <a:latin typeface="Calibri"/>
-                <a:cs typeface="Calibri"/>
-              </a:rPr>
-              <a:t> </a:t>
-            </a:r>
-            <a:r>
-              <a:rPr sz="2050" b="1" spc="95" dirty="0">
-                <a:solidFill>
-                  <a:srgbClr val="254E72"/>
-                </a:solidFill>
-                <a:latin typeface="Calibri"/>
-                <a:cs typeface="Calibri"/>
-              </a:rPr>
-              <a:t>as</a:t>
-            </a:r>
-            <a:r>
-              <a:rPr sz="2050" b="1" spc="120" dirty="0">
-                <a:solidFill>
-                  <a:srgbClr val="254E72"/>
-                </a:solidFill>
-                <a:latin typeface="Calibri"/>
-                <a:cs typeface="Calibri"/>
-              </a:rPr>
-              <a:t> </a:t>
-            </a:r>
-            <a:r>
-              <a:rPr sz="2050" b="1" spc="85" dirty="0">
-                <a:solidFill>
-                  <a:srgbClr val="254E72"/>
-                </a:solidFill>
-                <a:latin typeface="Calibri"/>
-                <a:cs typeface="Calibri"/>
-              </a:rPr>
-              <a:t>there</a:t>
-            </a:r>
-            <a:r>
-              <a:rPr sz="2050" b="1" spc="120" dirty="0">
-                <a:solidFill>
-                  <a:srgbClr val="254E72"/>
-                </a:solidFill>
-                <a:latin typeface="Calibri"/>
-                <a:cs typeface="Calibri"/>
-              </a:rPr>
-              <a:t> </a:t>
-            </a:r>
-            <a:r>
-              <a:rPr sz="2050" b="1" spc="65" dirty="0">
-                <a:solidFill>
-                  <a:srgbClr val="254E72"/>
-                </a:solidFill>
-                <a:latin typeface="Calibri"/>
-                <a:cs typeface="Calibri"/>
-              </a:rPr>
-              <a:t>were</a:t>
-            </a:r>
-            <a:r>
-              <a:rPr sz="2050" b="1" spc="114" dirty="0">
-                <a:solidFill>
-                  <a:srgbClr val="254E72"/>
-                </a:solidFill>
-                <a:latin typeface="Calibri"/>
-                <a:cs typeface="Calibri"/>
-              </a:rPr>
-              <a:t> </a:t>
-            </a:r>
-            <a:r>
-              <a:rPr sz="2050" b="1" spc="45" dirty="0">
-                <a:solidFill>
-                  <a:srgbClr val="254E72"/>
-                </a:solidFill>
-                <a:latin typeface="Calibri"/>
-                <a:cs typeface="Calibri"/>
-              </a:rPr>
-              <a:t>a</a:t>
-            </a:r>
-            <a:r>
-              <a:rPr sz="2050" b="1" spc="120" dirty="0">
-                <a:solidFill>
-                  <a:srgbClr val="254E72"/>
-                </a:solidFill>
-                <a:latin typeface="Calibri"/>
-                <a:cs typeface="Calibri"/>
-              </a:rPr>
-              <a:t> </a:t>
-            </a:r>
-            <a:r>
-              <a:rPr sz="2050" b="1" spc="50" dirty="0">
-                <a:solidFill>
-                  <a:srgbClr val="254E72"/>
-                </a:solidFill>
-                <a:latin typeface="Calibri"/>
-                <a:cs typeface="Calibri"/>
-              </a:rPr>
-              <a:t>few </a:t>
-            </a:r>
-            <a:r>
-              <a:rPr sz="2050" b="1" spc="55" dirty="0">
-                <a:solidFill>
-                  <a:srgbClr val="254E72"/>
-                </a:solidFill>
-                <a:latin typeface="Calibri"/>
-                <a:cs typeface="Calibri"/>
-              </a:rPr>
-              <a:t> </a:t>
-            </a:r>
-            <a:r>
-              <a:rPr sz="2050" b="1" spc="105" dirty="0">
-                <a:solidFill>
-                  <a:srgbClr val="254E72"/>
-                </a:solidFill>
-                <a:latin typeface="Calibri"/>
-                <a:cs typeface="Calibri"/>
-              </a:rPr>
-              <a:t>requisites</a:t>
-            </a:r>
-            <a:r>
-              <a:rPr sz="2050" b="1" spc="114" dirty="0">
-                <a:solidFill>
-                  <a:srgbClr val="254E72"/>
-                </a:solidFill>
-                <a:latin typeface="Calibri"/>
-                <a:cs typeface="Calibri"/>
-              </a:rPr>
-              <a:t> </a:t>
-            </a:r>
-            <a:r>
-              <a:rPr sz="2050" b="1" spc="65" dirty="0">
-                <a:solidFill>
-                  <a:srgbClr val="254E72"/>
-                </a:solidFill>
-                <a:latin typeface="Calibri"/>
-                <a:cs typeface="Calibri"/>
-              </a:rPr>
-              <a:t>for</a:t>
-            </a:r>
-            <a:r>
-              <a:rPr sz="2050" b="1" spc="120" dirty="0">
-                <a:solidFill>
-                  <a:srgbClr val="254E72"/>
-                </a:solidFill>
-                <a:latin typeface="Calibri"/>
-                <a:cs typeface="Calibri"/>
-              </a:rPr>
-              <a:t> </a:t>
-            </a:r>
-            <a:r>
-              <a:rPr sz="2050" b="1" spc="75" dirty="0">
-                <a:solidFill>
-                  <a:srgbClr val="254E72"/>
-                </a:solidFill>
-                <a:latin typeface="Calibri"/>
-                <a:cs typeface="Calibri"/>
-              </a:rPr>
-              <a:t>the</a:t>
-            </a:r>
-            <a:r>
-              <a:rPr sz="2050" b="1" spc="120" dirty="0">
-                <a:solidFill>
-                  <a:srgbClr val="254E72"/>
-                </a:solidFill>
-                <a:latin typeface="Calibri"/>
-                <a:cs typeface="Calibri"/>
-              </a:rPr>
-              <a:t> </a:t>
-            </a:r>
-            <a:r>
-              <a:rPr sz="2050" b="1" spc="105" dirty="0">
-                <a:solidFill>
-                  <a:srgbClr val="254E72"/>
-                </a:solidFill>
-                <a:latin typeface="Calibri"/>
-                <a:cs typeface="Calibri"/>
-              </a:rPr>
-              <a:t>integration.</a:t>
-            </a:r>
-            <a:r>
-              <a:rPr sz="2050" b="1" spc="120" dirty="0">
-                <a:solidFill>
-                  <a:srgbClr val="254E72"/>
-                </a:solidFill>
-                <a:latin typeface="Calibri"/>
-                <a:cs typeface="Calibri"/>
-              </a:rPr>
-              <a:t> </a:t>
-            </a:r>
-            <a:r>
-              <a:rPr sz="2050" b="1" spc="25" dirty="0">
-                <a:solidFill>
-                  <a:srgbClr val="254E72"/>
-                </a:solidFill>
-                <a:latin typeface="Calibri"/>
-                <a:cs typeface="Calibri"/>
-              </a:rPr>
-              <a:t>With</a:t>
-            </a:r>
-            <a:r>
-              <a:rPr sz="2050" b="1" spc="120" dirty="0">
-                <a:solidFill>
-                  <a:srgbClr val="254E72"/>
-                </a:solidFill>
-                <a:latin typeface="Calibri"/>
-                <a:cs typeface="Calibri"/>
-              </a:rPr>
-              <a:t> </a:t>
-            </a:r>
-            <a:r>
-              <a:rPr sz="2050" b="1" spc="100" dirty="0">
-                <a:solidFill>
-                  <a:srgbClr val="254E72"/>
-                </a:solidFill>
-                <a:latin typeface="Calibri"/>
-                <a:cs typeface="Calibri"/>
-              </a:rPr>
-              <a:t>proper</a:t>
-            </a:r>
-            <a:r>
-              <a:rPr sz="2050" b="1" spc="114" dirty="0">
-                <a:solidFill>
-                  <a:srgbClr val="254E72"/>
-                </a:solidFill>
-                <a:latin typeface="Calibri"/>
-                <a:cs typeface="Calibri"/>
-              </a:rPr>
-              <a:t> </a:t>
-            </a:r>
-            <a:r>
-              <a:rPr sz="2050" b="1" spc="105" dirty="0">
-                <a:solidFill>
-                  <a:srgbClr val="254E72"/>
-                </a:solidFill>
-                <a:latin typeface="Calibri"/>
-                <a:cs typeface="Calibri"/>
-              </a:rPr>
-              <a:t>integration</a:t>
-            </a:r>
-            <a:r>
-              <a:rPr sz="2050" b="1" spc="120" dirty="0">
-                <a:solidFill>
-                  <a:srgbClr val="254E72"/>
-                </a:solidFill>
-                <a:latin typeface="Calibri"/>
-                <a:cs typeface="Calibri"/>
-              </a:rPr>
-              <a:t> </a:t>
-            </a:r>
-            <a:r>
-              <a:rPr sz="2050" b="1" spc="105" dirty="0">
-                <a:solidFill>
-                  <a:srgbClr val="254E72"/>
-                </a:solidFill>
-                <a:latin typeface="Calibri"/>
-                <a:cs typeface="Calibri"/>
-              </a:rPr>
-              <a:t>and</a:t>
-            </a:r>
-            <a:r>
-              <a:rPr sz="2050" b="1" spc="120" dirty="0">
-                <a:solidFill>
-                  <a:srgbClr val="254E72"/>
-                </a:solidFill>
-                <a:latin typeface="Calibri"/>
-                <a:cs typeface="Calibri"/>
-              </a:rPr>
-              <a:t> </a:t>
-            </a:r>
-            <a:r>
-              <a:rPr sz="2050" b="1" spc="105" dirty="0">
-                <a:solidFill>
-                  <a:srgbClr val="254E72"/>
-                </a:solidFill>
-                <a:latin typeface="Calibri"/>
-                <a:cs typeface="Calibri"/>
-              </a:rPr>
-              <a:t>extraction</a:t>
-            </a:r>
-            <a:r>
-              <a:rPr sz="2050" b="1" spc="120" dirty="0">
-                <a:solidFill>
-                  <a:srgbClr val="254E72"/>
-                </a:solidFill>
-                <a:latin typeface="Calibri"/>
-                <a:cs typeface="Calibri"/>
-              </a:rPr>
-              <a:t> </a:t>
-            </a:r>
-            <a:r>
-              <a:rPr sz="2050" b="1" spc="90" dirty="0">
-                <a:solidFill>
-                  <a:srgbClr val="254E72"/>
-                </a:solidFill>
-                <a:latin typeface="Calibri"/>
-                <a:cs typeface="Calibri"/>
-              </a:rPr>
-              <a:t>these</a:t>
-            </a:r>
-            <a:r>
-              <a:rPr sz="2050" b="1" spc="120" dirty="0">
-                <a:solidFill>
-                  <a:srgbClr val="254E72"/>
-                </a:solidFill>
-                <a:latin typeface="Calibri"/>
-                <a:cs typeface="Calibri"/>
-              </a:rPr>
-              <a:t> </a:t>
-            </a:r>
-            <a:r>
-              <a:rPr sz="2050" b="1" spc="95" dirty="0">
-                <a:solidFill>
-                  <a:srgbClr val="254E72"/>
-                </a:solidFill>
-                <a:latin typeface="Calibri"/>
-                <a:cs typeface="Calibri"/>
-              </a:rPr>
-              <a:t>features </a:t>
-            </a:r>
-            <a:r>
-              <a:rPr sz="2050" b="1" spc="-450" dirty="0">
-                <a:solidFill>
-                  <a:srgbClr val="254E72"/>
-                </a:solidFill>
-                <a:latin typeface="Calibri"/>
-                <a:cs typeface="Calibri"/>
-              </a:rPr>
-              <a:t> </a:t>
-            </a:r>
-            <a:r>
-              <a:rPr sz="2050" b="1" spc="114" dirty="0">
-                <a:solidFill>
-                  <a:srgbClr val="254E72"/>
-                </a:solidFill>
-                <a:latin typeface="Calibri"/>
-                <a:cs typeface="Calibri"/>
-              </a:rPr>
-              <a:t>can</a:t>
-            </a:r>
-            <a:r>
-              <a:rPr sz="2050" b="1" spc="110" dirty="0">
-                <a:solidFill>
-                  <a:srgbClr val="254E72"/>
-                </a:solidFill>
-                <a:latin typeface="Calibri"/>
-                <a:cs typeface="Calibri"/>
-              </a:rPr>
-              <a:t> </a:t>
-            </a:r>
-            <a:r>
-              <a:rPr sz="2050" b="1" spc="70" dirty="0">
-                <a:solidFill>
-                  <a:srgbClr val="254E72"/>
-                </a:solidFill>
-                <a:latin typeface="Calibri"/>
-                <a:cs typeface="Calibri"/>
-              </a:rPr>
-              <a:t>be</a:t>
-            </a:r>
-            <a:r>
-              <a:rPr sz="2050" b="1" spc="114" dirty="0">
-                <a:solidFill>
-                  <a:srgbClr val="254E72"/>
-                </a:solidFill>
-                <a:latin typeface="Calibri"/>
-                <a:cs typeface="Calibri"/>
-              </a:rPr>
-              <a:t> </a:t>
-            </a:r>
-            <a:r>
-              <a:rPr sz="2050" b="1" spc="105" dirty="0">
-                <a:solidFill>
-                  <a:srgbClr val="254E72"/>
-                </a:solidFill>
-                <a:latin typeface="Calibri"/>
-                <a:cs typeface="Calibri"/>
-              </a:rPr>
-              <a:t>used</a:t>
-            </a:r>
-            <a:r>
-              <a:rPr sz="2050" b="1" spc="114" dirty="0">
-                <a:solidFill>
-                  <a:srgbClr val="254E72"/>
-                </a:solidFill>
-                <a:latin typeface="Calibri"/>
-                <a:cs typeface="Calibri"/>
-              </a:rPr>
-              <a:t> </a:t>
-            </a:r>
-            <a:r>
-              <a:rPr sz="2050" b="1" spc="75" dirty="0">
-                <a:solidFill>
-                  <a:srgbClr val="254E72"/>
-                </a:solidFill>
-                <a:latin typeface="Calibri"/>
-                <a:cs typeface="Calibri"/>
-              </a:rPr>
-              <a:t>in</a:t>
-            </a:r>
-            <a:r>
-              <a:rPr sz="2050" b="1" spc="114" dirty="0">
-                <a:solidFill>
-                  <a:srgbClr val="254E72"/>
-                </a:solidFill>
-                <a:latin typeface="Calibri"/>
-                <a:cs typeface="Calibri"/>
-              </a:rPr>
-              <a:t> </a:t>
-            </a:r>
-            <a:r>
-              <a:rPr sz="2050" b="1" spc="75" dirty="0">
-                <a:solidFill>
-                  <a:srgbClr val="254E72"/>
-                </a:solidFill>
-                <a:latin typeface="Calibri"/>
-                <a:cs typeface="Calibri"/>
-              </a:rPr>
-              <a:t>the</a:t>
-            </a:r>
-            <a:r>
-              <a:rPr sz="2050" b="1" spc="114" dirty="0">
-                <a:solidFill>
-                  <a:srgbClr val="254E72"/>
-                </a:solidFill>
-                <a:latin typeface="Calibri"/>
-                <a:cs typeface="Calibri"/>
-              </a:rPr>
-              <a:t> </a:t>
-            </a:r>
-            <a:r>
-              <a:rPr sz="2050" b="1" spc="85" dirty="0">
-                <a:solidFill>
-                  <a:srgbClr val="254E72"/>
-                </a:solidFill>
-                <a:latin typeface="Calibri"/>
-                <a:cs typeface="Calibri"/>
-              </a:rPr>
-              <a:t>future</a:t>
-            </a:r>
-            <a:r>
-              <a:rPr sz="2050" b="1" spc="114" dirty="0">
-                <a:solidFill>
-                  <a:srgbClr val="254E72"/>
-                </a:solidFill>
-                <a:latin typeface="Calibri"/>
-                <a:cs typeface="Calibri"/>
-              </a:rPr>
-              <a:t> </a:t>
-            </a:r>
-            <a:r>
-              <a:rPr sz="2050" b="1" spc="110" dirty="0">
-                <a:solidFill>
-                  <a:srgbClr val="254E72"/>
-                </a:solidFill>
-                <a:latin typeface="Calibri"/>
-                <a:cs typeface="Calibri"/>
-              </a:rPr>
-              <a:t>expansion</a:t>
-            </a:r>
-            <a:r>
-              <a:rPr sz="2050" b="1" spc="114" dirty="0">
-                <a:solidFill>
-                  <a:srgbClr val="254E72"/>
-                </a:solidFill>
-                <a:latin typeface="Calibri"/>
-                <a:cs typeface="Calibri"/>
-              </a:rPr>
-              <a:t> </a:t>
-            </a:r>
-            <a:r>
-              <a:rPr sz="2050" b="1" spc="45" dirty="0">
-                <a:solidFill>
-                  <a:srgbClr val="254E72"/>
-                </a:solidFill>
-                <a:latin typeface="Calibri"/>
-                <a:cs typeface="Calibri"/>
-              </a:rPr>
-              <a:t>of</a:t>
-            </a:r>
-            <a:r>
-              <a:rPr sz="2050" b="1" spc="114" dirty="0">
-                <a:solidFill>
-                  <a:srgbClr val="254E72"/>
-                </a:solidFill>
-                <a:latin typeface="Calibri"/>
-                <a:cs typeface="Calibri"/>
-              </a:rPr>
-              <a:t> </a:t>
-            </a:r>
-            <a:r>
-              <a:rPr sz="2050" b="1" spc="75" dirty="0">
-                <a:solidFill>
-                  <a:srgbClr val="254E72"/>
-                </a:solidFill>
-                <a:latin typeface="Calibri"/>
-                <a:cs typeface="Calibri"/>
-              </a:rPr>
-              <a:t>the</a:t>
-            </a:r>
-            <a:r>
-              <a:rPr sz="2050" b="1" spc="114" dirty="0">
-                <a:solidFill>
-                  <a:srgbClr val="254E72"/>
-                </a:solidFill>
-                <a:latin typeface="Calibri"/>
-                <a:cs typeface="Calibri"/>
-              </a:rPr>
-              <a:t> </a:t>
-            </a:r>
-            <a:r>
-              <a:rPr sz="2050" b="1" spc="100" dirty="0">
-                <a:solidFill>
-                  <a:srgbClr val="254E72"/>
-                </a:solidFill>
-                <a:latin typeface="Calibri"/>
-                <a:cs typeface="Calibri"/>
-              </a:rPr>
-              <a:t>project.</a:t>
-            </a:r>
-            <a:endParaRPr sz="2050">
-              <a:latin typeface="Calibri"/>
-              <a:cs typeface="Calibri"/>
             </a:endParaRPr>
           </a:p>
         </p:txBody>
@@ -7470,7 +6196,7 @@
               </a:rPr>
               <a:t>Address</a:t>
             </a:r>
-            <a:endParaRPr sz="2500">
+            <a:endParaRPr sz="2500" dirty="0">
               <a:latin typeface="Calibri"/>
               <a:cs typeface="Calibri"/>
             </a:endParaRPr>
@@ -7485,146 +6211,13 @@
               </a:spcBef>
             </a:pPr>
             <a:r>
-              <a:rPr sz="2000" spc="-160" dirty="0">
-                <a:solidFill>
-                  <a:srgbClr val="254E72"/>
-                </a:solidFill>
-                <a:latin typeface="Arial Unicode MS"/>
-                <a:cs typeface="Arial Unicode MS"/>
-              </a:rPr>
-              <a:t>123 </a:t>
-            </a:r>
-            <a:r>
-              <a:rPr sz="2000" spc="-90" dirty="0">
-                <a:solidFill>
-                  <a:srgbClr val="254E72"/>
-                </a:solidFill>
-                <a:latin typeface="Arial Unicode MS"/>
-                <a:cs typeface="Arial Unicode MS"/>
-              </a:rPr>
-              <a:t>Anywhere</a:t>
-            </a:r>
-            <a:r>
-              <a:rPr sz="2000" spc="-160" dirty="0">
-                <a:solidFill>
-                  <a:srgbClr val="254E72"/>
-                </a:solidFill>
-                <a:latin typeface="Arial Unicode MS"/>
-                <a:cs typeface="Arial Unicode MS"/>
-              </a:rPr>
-              <a:t> </a:t>
-            </a:r>
-            <a:r>
-              <a:rPr sz="2000" spc="-85" dirty="0">
-                <a:solidFill>
-                  <a:srgbClr val="254E72"/>
-                </a:solidFill>
-                <a:latin typeface="Arial Unicode MS"/>
-                <a:cs typeface="Arial Unicode MS"/>
-              </a:rPr>
-              <a:t>St.,</a:t>
-            </a:r>
-            <a:r>
-              <a:rPr sz="2000" spc="-155" dirty="0">
-                <a:solidFill>
-                  <a:srgbClr val="254E72"/>
-                </a:solidFill>
-                <a:latin typeface="Arial Unicode MS"/>
-                <a:cs typeface="Arial Unicode MS"/>
-              </a:rPr>
-              <a:t> </a:t>
-            </a:r>
-            <a:r>
-              <a:rPr sz="2000" spc="-125" dirty="0">
-                <a:solidFill>
-                  <a:srgbClr val="254E72"/>
-                </a:solidFill>
-                <a:latin typeface="Arial Unicode MS"/>
-                <a:cs typeface="Arial Unicode MS"/>
-              </a:rPr>
-              <a:t>Any</a:t>
-            </a:r>
-            <a:r>
-              <a:rPr sz="2000" spc="-160" dirty="0">
-                <a:solidFill>
-                  <a:srgbClr val="254E72"/>
-                </a:solidFill>
-                <a:latin typeface="Arial Unicode MS"/>
-                <a:cs typeface="Arial Unicode MS"/>
-              </a:rPr>
-              <a:t> </a:t>
-            </a:r>
-            <a:r>
-              <a:rPr sz="2000" spc="-70" dirty="0">
-                <a:solidFill>
-                  <a:srgbClr val="254E72"/>
-                </a:solidFill>
-                <a:latin typeface="Arial Unicode MS"/>
-                <a:cs typeface="Arial Unicode MS"/>
-              </a:rPr>
-              <a:t>City,</a:t>
-            </a:r>
-            <a:r>
-              <a:rPr sz="2000" spc="-155" dirty="0">
-                <a:solidFill>
-                  <a:srgbClr val="254E72"/>
-                </a:solidFill>
-                <a:latin typeface="Arial Unicode MS"/>
-                <a:cs typeface="Arial Unicode MS"/>
-              </a:rPr>
-              <a:t> </a:t>
-            </a:r>
-            <a:r>
-              <a:rPr sz="2000" spc="-70" dirty="0">
-                <a:solidFill>
-                  <a:srgbClr val="254E72"/>
-                </a:solidFill>
-                <a:latin typeface="Arial Unicode MS"/>
-                <a:cs typeface="Arial Unicode MS"/>
-              </a:rPr>
-              <a:t>State,</a:t>
-            </a:r>
-            <a:r>
-              <a:rPr sz="2000" spc="-160" dirty="0">
-                <a:solidFill>
-                  <a:srgbClr val="254E72"/>
-                </a:solidFill>
-                <a:latin typeface="Arial Unicode MS"/>
-                <a:cs typeface="Arial Unicode MS"/>
-              </a:rPr>
-              <a:t> </a:t>
-            </a:r>
-            <a:r>
-              <a:rPr sz="2000" spc="-60" dirty="0">
-                <a:solidFill>
-                  <a:srgbClr val="254E72"/>
-                </a:solidFill>
-                <a:latin typeface="Arial Unicode MS"/>
-                <a:cs typeface="Arial Unicode MS"/>
-              </a:rPr>
-              <a:t>Country</a:t>
-            </a:r>
-            <a:r>
-              <a:rPr sz="2000" spc="-160" dirty="0">
-                <a:solidFill>
-                  <a:srgbClr val="254E72"/>
-                </a:solidFill>
-                <a:latin typeface="Arial Unicode MS"/>
-                <a:cs typeface="Arial Unicode MS"/>
-              </a:rPr>
-              <a:t> </a:t>
-            </a:r>
-            <a:r>
-              <a:rPr sz="2000" spc="-150" dirty="0">
-                <a:solidFill>
-                  <a:srgbClr val="254E72"/>
-                </a:solidFill>
-                <a:latin typeface="Arial Unicode MS"/>
-                <a:cs typeface="Arial Unicode MS"/>
-              </a:rPr>
-              <a:t>12345</a:t>
-            </a:r>
-            <a:endParaRPr sz="2000">
+              <a:rPr lang="en-US" sz="2000" dirty="0">
+                <a:latin typeface="Arial Unicode MS"/>
+                <a:cs typeface="Arial Unicode MS"/>
+              </a:rPr>
+              <a:t>39,Delmas 75,  Rue Michel.</a:t>
+            </a:r>
+            <a:endParaRPr sz="2000" dirty="0">
               <a:latin typeface="Arial Unicode MS"/>
               <a:cs typeface="Arial Unicode MS"/>
             </a:endParaRPr>
@@ -7690,7 +6283,7 @@
               </a:rPr>
               <a:t>Number</a:t>
             </a:r>
-            <a:endParaRPr sz="2500">
+            <a:endParaRPr sz="2500" dirty="0">
               <a:latin typeface="Calibri"/>
               <a:cs typeface="Calibri"/>
             </a:endParaRPr>
@@ -7705,106 +6298,16 @@
               </a:spcBef>
             </a:pPr>
             <a:r>
-              <a:rPr sz="2000" spc="-80" dirty="0">
-                <a:solidFill>
-                  <a:srgbClr val="254E72"/>
-                </a:solidFill>
-                <a:latin typeface="Arial Unicode MS"/>
-                <a:cs typeface="Arial Unicode MS"/>
-              </a:rPr>
-              <a:t>(</a:t>
-            </a:r>
-            <a:r>
-              <a:rPr sz="2000" spc="-220" dirty="0">
-                <a:solidFill>
-                  <a:srgbClr val="254E72"/>
-                </a:solidFill>
-                <a:latin typeface="Arial Unicode MS"/>
-                <a:cs typeface="Arial Unicode MS"/>
-              </a:rPr>
-              <a:t>1</a:t>
-            </a:r>
-            <a:r>
-              <a:rPr sz="2000" spc="-135" dirty="0">
-                <a:solidFill>
-                  <a:srgbClr val="254E72"/>
-                </a:solidFill>
-                <a:latin typeface="Arial Unicode MS"/>
-                <a:cs typeface="Arial Unicode MS"/>
-              </a:rPr>
-              <a:t>23</a:t>
-            </a:r>
-            <a:r>
-              <a:rPr sz="2000" spc="-75" dirty="0">
-                <a:solidFill>
-                  <a:srgbClr val="254E72"/>
-                </a:solidFill>
-                <a:latin typeface="Arial Unicode MS"/>
-                <a:cs typeface="Arial Unicode MS"/>
-              </a:rPr>
-              <a:t>)</a:t>
-            </a:r>
-            <a:r>
-              <a:rPr sz="2000" spc="-160" dirty="0">
-                <a:solidFill>
-                  <a:srgbClr val="254E72"/>
-                </a:solidFill>
-                <a:latin typeface="Arial Unicode MS"/>
-                <a:cs typeface="Arial Unicode MS"/>
-              </a:rPr>
-              <a:t> </a:t>
-            </a:r>
-            <a:r>
-              <a:rPr sz="2000" spc="-135" dirty="0">
-                <a:solidFill>
-                  <a:srgbClr val="254E72"/>
-                </a:solidFill>
-                <a:latin typeface="Arial Unicode MS"/>
-                <a:cs typeface="Arial Unicode MS"/>
-              </a:rPr>
-              <a:t>45</a:t>
-            </a:r>
-            <a:r>
-              <a:rPr sz="2000" spc="-130" dirty="0">
-                <a:solidFill>
-                  <a:srgbClr val="254E72"/>
-                </a:solidFill>
-                <a:latin typeface="Arial Unicode MS"/>
-                <a:cs typeface="Arial Unicode MS"/>
-              </a:rPr>
-              <a:t>6</a:t>
-            </a:r>
-            <a:r>
-              <a:rPr sz="2000" spc="-160" dirty="0">
-                <a:solidFill>
-                  <a:srgbClr val="254E72"/>
-                </a:solidFill>
-                <a:latin typeface="Arial Unicode MS"/>
-                <a:cs typeface="Arial Unicode MS"/>
-              </a:rPr>
-              <a:t> </a:t>
-            </a:r>
-            <a:r>
-              <a:rPr sz="2000" spc="-135" dirty="0">
-                <a:solidFill>
-                  <a:srgbClr val="254E72"/>
-                </a:solidFill>
-                <a:latin typeface="Arial Unicode MS"/>
-                <a:cs typeface="Arial Unicode MS"/>
-              </a:rPr>
-              <a:t>789</a:t>
-            </a:r>
-            <a:r>
-              <a:rPr sz="2000" spc="-130" dirty="0">
-                <a:solidFill>
-                  <a:srgbClr val="254E72"/>
-                </a:solidFill>
-                <a:latin typeface="Arial Unicode MS"/>
-                <a:cs typeface="Arial Unicode MS"/>
-              </a:rPr>
-              <a:t>0</a:t>
-            </a:r>
-            <a:endParaRPr sz="2000">
+              <a:rPr lang="en-US" sz="2000" spc="-80" dirty="0">
+                <a:solidFill>
+                  <a:srgbClr val="254E72"/>
+                </a:solidFill>
+                <a:latin typeface="Arial Unicode MS"/>
+                <a:cs typeface="Arial Unicode MS"/>
+              </a:rPr>
+              <a:t>(509) 4923-5765</a:t>
+            </a:r>
+            <a:endParaRPr sz="2000" dirty="0">
               <a:latin typeface="Arial Unicode MS"/>
               <a:cs typeface="Arial Unicode MS"/>
             </a:endParaRPr>
@@ -7819,8 +6322,8 @@
         </p:nvSpPr>
         <p:spPr>
           <a:xfrm>
-            <a:off x="9318421" y="7252100"/>
-            <a:ext cx="2795270" cy="901700"/>
+            <a:off x="9318420" y="7252100"/>
+            <a:ext cx="3122961" cy="897682"/>
           </a:xfrm>
           <a:prstGeom prst="rect">
             <a:avLst/>
@@ -7870,7 +6373,7 @@
               </a:rPr>
               <a:t>Address</a:t>
             </a:r>
-            <a:endParaRPr sz="2500">
+            <a:endParaRPr sz="2500" dirty="0">
               <a:latin typeface="Calibri"/>
               <a:cs typeface="Calibri"/>
             </a:endParaRPr>
@@ -7885,17 +6388,16 @@
               </a:spcBef>
             </a:pPr>
             <a:r>
-              <a:rPr sz="2000" spc="-55" dirty="0">
-                <a:solidFill>
-                  <a:srgbClr val="254E72"/>
-                </a:solidFill>
-                <a:latin typeface="Arial Unicode MS"/>
-                <a:cs typeface="Arial Unicode MS"/>
-                <a:hlinkClick r:id="rId2"/>
-              </a:rPr>
-              <a:t>hello@reallygreatsite.com</a:t>
-            </a:r>
-            <a:endParaRPr sz="2000">
+              <a:rPr lang="en-US" sz="2000" spc="-55" dirty="0">
+                <a:solidFill>
+                  <a:srgbClr val="254E72"/>
+                </a:solidFill>
+                <a:latin typeface="Arial Unicode MS"/>
+                <a:cs typeface="Arial Unicode MS"/>
+              </a:rPr>
+              <a:t>Chrsversailles@gmail.com</a:t>
+            </a:r>
+            <a:endParaRPr sz="2000" dirty="0">
               <a:latin typeface="Arial Unicode MS"/>
               <a:cs typeface="Arial Unicode MS"/>
             </a:endParaRPr>
@@ -8085,7 +6587,7 @@
         <p:spPr>
           <a:xfrm>
             <a:off x="361869" y="4288597"/>
-            <a:ext cx="4401185" cy="4276090"/>
+            <a:ext cx="4401185" cy="3713068"/>
           </a:xfrm>
           <a:prstGeom prst="rect">
             <a:avLst/>
@@ -8175,7 +6677,7 @@
               </a:rPr>
               <a:t>IDEAS</a:t>
             </a:r>
-            <a:endParaRPr sz="3000">
+            <a:endParaRPr sz="3000" dirty="0">
               <a:latin typeface="Calibri"/>
               <a:cs typeface="Calibri"/>
             </a:endParaRPr>
@@ -8437,19 +6939,9 @@
                 <a:latin typeface="Arial Unicode MS"/>
                 <a:cs typeface="Arial Unicode MS"/>
               </a:rPr>
-              <a:t>.  </a:t>
-            </a:r>
-            <a:r>
-              <a:rPr sz="2350" spc="-55" dirty="0">
-                <a:solidFill>
-                  <a:srgbClr val="254E72"/>
-                </a:solidFill>
-                <a:latin typeface="Arial Unicode MS"/>
-                <a:cs typeface="Arial Unicode MS"/>
-              </a:rPr>
-              <a:t>Methodology</a:t>
-            </a:r>
-            <a:endParaRPr sz="2350">
+              <a:t>. </a:t>
+            </a:r>
+            <a:endParaRPr sz="2350" dirty="0">
               <a:latin typeface="Arial Unicode MS"/>
               <a:cs typeface="Arial Unicode MS"/>
             </a:endParaRPr>
@@ -8630,7 +7122,7 @@
               </a:rPr>
               <a:t>Conclusion</a:t>
             </a:r>
-            <a:endParaRPr sz="2350">
+            <a:endParaRPr sz="2350" dirty="0">
               <a:latin typeface="Calibri"/>
               <a:cs typeface="Calibri"/>
             </a:endParaRPr>
@@ -8864,7 +7356,7 @@
               </a:rPr>
               <a:t>s</a:t>
             </a:r>
-            <a:endParaRPr sz="2350">
+            <a:endParaRPr sz="2350" dirty="0">
               <a:latin typeface="Calibri"/>
               <a:cs typeface="Calibri"/>
             </a:endParaRPr>
@@ -12945,747 +11437,6 @@
 </file>
 
 <file path=ppt/slides/slide4.xml><?xml version="1.0" encoding="utf-8"?>
-<p:sld xmlns:a="http://schemas.openxmlformats.org/drawingml/2006/main" xmlns:r="http://schemas.openxmlformats.org/officeDocument/2006/relationships" xmlns:p="http://schemas.openxmlformats.org/presentationml/2006/main">
-  <p:cSld>
-    <p:spTree>
-      <p:nvGrpSpPr>
-        <p:cNvPr id="1" name=""/>
-        <p:cNvGrpSpPr/>
-        <p:nvPr/>
-      </p:nvGrpSpPr>
-      <p:grpSpPr>
-        <a:xfrm>
-          <a:off x="0" y="0"/>
-          <a:ext cx="0" cy="0"/>
-          <a:chOff x="0" y="0"/>
-          <a:chExt cx="0" cy="0"/>
-        </a:xfrm>
-      </p:grpSpPr>
-      <p:sp>
-        <p:nvSpPr>
-          <p:cNvPr id="2" name="object 2"/>
-          <p:cNvSpPr txBox="1">
-            <a:spLocks noGrp="1"/>
-          </p:cNvSpPr>
-          <p:nvPr>
-            <p:ph type="title"/>
-          </p:nvPr>
-        </p:nvSpPr>
-        <p:spPr>
-          <a:xfrm>
-            <a:off x="1465242" y="1916329"/>
-            <a:ext cx="2793365" cy="482600"/>
-          </a:xfrm>
-          <a:prstGeom prst="rect">
-            <a:avLst/>
-          </a:prstGeom>
-        </p:spPr>
-        <p:txBody>
-          <a:bodyPr vert="horz" wrap="square" lIns="0" tIns="12700" rIns="0" bIns="0" rtlCol="0">
-            <a:spAutoFit/>
-          </a:bodyPr>
-          <a:lstStyle/>
-          <a:p>
-            <a:pPr marL="12700">
-              <a:lnSpc>
-                <a:spcPct val="100000"/>
-              </a:lnSpc>
-              <a:spcBef>
-                <a:spcPts val="100"/>
-              </a:spcBef>
-            </a:pPr>
-            <a:r>
-              <a:rPr sz="3000" b="1" spc="-235" dirty="0">
-                <a:solidFill>
-                  <a:srgbClr val="BFE7DE"/>
-                </a:solidFill>
-                <a:latin typeface="Calibri"/>
-                <a:cs typeface="Calibri"/>
-              </a:rPr>
-              <a:t>M</a:t>
-            </a:r>
-            <a:r>
-              <a:rPr sz="3000" b="1" spc="290" dirty="0">
-                <a:solidFill>
-                  <a:srgbClr val="BFE7DE"/>
-                </a:solidFill>
-                <a:latin typeface="Calibri"/>
-                <a:cs typeface="Calibri"/>
-              </a:rPr>
-              <a:t>ET</a:t>
-            </a:r>
-            <a:r>
-              <a:rPr sz="3000" b="1" spc="235" dirty="0">
-                <a:solidFill>
-                  <a:srgbClr val="BFE7DE"/>
-                </a:solidFill>
-                <a:latin typeface="Calibri"/>
-                <a:cs typeface="Calibri"/>
-              </a:rPr>
-              <a:t>H</a:t>
-            </a:r>
-            <a:r>
-              <a:rPr sz="3000" b="1" spc="130" dirty="0">
-                <a:solidFill>
-                  <a:srgbClr val="BFE7DE"/>
-                </a:solidFill>
-                <a:latin typeface="Calibri"/>
-                <a:cs typeface="Calibri"/>
-              </a:rPr>
-              <a:t>O</a:t>
-            </a:r>
-            <a:r>
-              <a:rPr sz="3000" b="1" spc="120" dirty="0">
-                <a:solidFill>
-                  <a:srgbClr val="BFE7DE"/>
-                </a:solidFill>
-                <a:latin typeface="Calibri"/>
-                <a:cs typeface="Calibri"/>
-              </a:rPr>
-              <a:t>D</a:t>
-            </a:r>
-            <a:r>
-              <a:rPr sz="3000" b="1" spc="130" dirty="0">
-                <a:solidFill>
-                  <a:srgbClr val="BFE7DE"/>
-                </a:solidFill>
-                <a:latin typeface="Calibri"/>
-                <a:cs typeface="Calibri"/>
-              </a:rPr>
-              <a:t>O</a:t>
-            </a:r>
-            <a:r>
-              <a:rPr sz="3000" b="1" spc="390" dirty="0">
-                <a:solidFill>
-                  <a:srgbClr val="BFE7DE"/>
-                </a:solidFill>
-                <a:latin typeface="Calibri"/>
-                <a:cs typeface="Calibri"/>
-              </a:rPr>
-              <a:t>L</a:t>
-            </a:r>
-            <a:r>
-              <a:rPr sz="3000" b="1" spc="130" dirty="0">
-                <a:solidFill>
-                  <a:srgbClr val="BFE7DE"/>
-                </a:solidFill>
-                <a:latin typeface="Calibri"/>
-                <a:cs typeface="Calibri"/>
-              </a:rPr>
-              <a:t>O</a:t>
-            </a:r>
-            <a:r>
-              <a:rPr sz="3000" b="1" spc="110" dirty="0">
-                <a:solidFill>
-                  <a:srgbClr val="BFE7DE"/>
-                </a:solidFill>
-                <a:latin typeface="Calibri"/>
-                <a:cs typeface="Calibri"/>
-              </a:rPr>
-              <a:t>G</a:t>
-            </a:r>
-            <a:r>
-              <a:rPr sz="3000" b="1" spc="-10" dirty="0">
-                <a:solidFill>
-                  <a:srgbClr val="BFE7DE"/>
-                </a:solidFill>
-                <a:latin typeface="Calibri"/>
-                <a:cs typeface="Calibri"/>
-              </a:rPr>
-              <a:t>Y</a:t>
-            </a:r>
-            <a:endParaRPr sz="3000">
-              <a:latin typeface="Calibri"/>
-              <a:cs typeface="Calibri"/>
-            </a:endParaRPr>
-          </a:p>
-        </p:txBody>
-      </p:sp>
-      <p:grpSp>
-        <p:nvGrpSpPr>
-          <p:cNvPr id="3" name="object 3"/>
-          <p:cNvGrpSpPr/>
-          <p:nvPr/>
-        </p:nvGrpSpPr>
-        <p:grpSpPr>
-          <a:xfrm>
-            <a:off x="16770215" y="8695318"/>
-            <a:ext cx="488950" cy="488950"/>
-            <a:chOff x="16770215" y="8695318"/>
-            <a:chExt cx="488950" cy="488950"/>
-          </a:xfrm>
-        </p:grpSpPr>
-        <p:sp>
-          <p:nvSpPr>
-            <p:cNvPr id="4" name="object 4"/>
-            <p:cNvSpPr/>
-            <p:nvPr/>
-          </p:nvSpPr>
-          <p:spPr>
-            <a:xfrm>
-              <a:off x="16770215" y="8695318"/>
-              <a:ext cx="488950" cy="488950"/>
-            </a:xfrm>
-            <a:custGeom>
-              <a:avLst/>
-              <a:gdLst/>
-              <a:ahLst/>
-              <a:cxnLst/>
-              <a:rect l="l" t="t" r="r" b="b"/>
-              <a:pathLst>
-                <a:path w="488950" h="488950">
-                  <a:moveTo>
-                    <a:pt x="244305" y="488611"/>
-                  </a:moveTo>
-                  <a:lnTo>
-                    <a:pt x="196279" y="483922"/>
-                  </a:lnTo>
-                  <a:lnTo>
-                    <a:pt x="150762" y="470144"/>
-                  </a:lnTo>
-                  <a:lnTo>
-                    <a:pt x="108833" y="447706"/>
-                  </a:lnTo>
-                  <a:lnTo>
-                    <a:pt x="71573" y="417038"/>
-                  </a:lnTo>
-                  <a:lnTo>
-                    <a:pt x="40905" y="379777"/>
-                  </a:lnTo>
-                  <a:lnTo>
-                    <a:pt x="18466" y="337848"/>
-                  </a:lnTo>
-                  <a:lnTo>
-                    <a:pt x="4688" y="292331"/>
-                  </a:lnTo>
-                  <a:lnTo>
-                    <a:pt x="0" y="244305"/>
-                  </a:lnTo>
-                  <a:lnTo>
-                    <a:pt x="4688" y="196280"/>
-                  </a:lnTo>
-                  <a:lnTo>
-                    <a:pt x="18466" y="150762"/>
-                  </a:lnTo>
-                  <a:lnTo>
-                    <a:pt x="40905" y="108833"/>
-                  </a:lnTo>
-                  <a:lnTo>
-                    <a:pt x="71573" y="71573"/>
-                  </a:lnTo>
-                  <a:lnTo>
-                    <a:pt x="108833" y="40905"/>
-                  </a:lnTo>
-                  <a:lnTo>
-                    <a:pt x="150762" y="18466"/>
-                  </a:lnTo>
-                  <a:lnTo>
-                    <a:pt x="196280" y="4688"/>
-                  </a:lnTo>
-                  <a:lnTo>
-                    <a:pt x="244305" y="0"/>
-                  </a:lnTo>
-                  <a:lnTo>
-                    <a:pt x="292331" y="4688"/>
-                  </a:lnTo>
-                  <a:lnTo>
-                    <a:pt x="325228" y="14646"/>
-                  </a:lnTo>
-                  <a:lnTo>
-                    <a:pt x="244305" y="14646"/>
-                  </a:lnTo>
-                  <a:lnTo>
-                    <a:pt x="199160" y="19061"/>
-                  </a:lnTo>
-                  <a:lnTo>
-                    <a:pt x="156377" y="32027"/>
-                  </a:lnTo>
-                  <a:lnTo>
-                    <a:pt x="116962" y="53121"/>
-                  </a:lnTo>
-                  <a:lnTo>
-                    <a:pt x="81923" y="81923"/>
-                  </a:lnTo>
-                  <a:lnTo>
-                    <a:pt x="53121" y="116962"/>
-                  </a:lnTo>
-                  <a:lnTo>
-                    <a:pt x="32027" y="156377"/>
-                  </a:lnTo>
-                  <a:lnTo>
-                    <a:pt x="19061" y="199160"/>
-                  </a:lnTo>
-                  <a:lnTo>
-                    <a:pt x="14646" y="244305"/>
-                  </a:lnTo>
-                  <a:lnTo>
-                    <a:pt x="19061" y="289450"/>
-                  </a:lnTo>
-                  <a:lnTo>
-                    <a:pt x="32027" y="332234"/>
-                  </a:lnTo>
-                  <a:lnTo>
-                    <a:pt x="53121" y="371649"/>
-                  </a:lnTo>
-                  <a:lnTo>
-                    <a:pt x="81923" y="406688"/>
-                  </a:lnTo>
-                  <a:lnTo>
-                    <a:pt x="116962" y="435489"/>
-                  </a:lnTo>
-                  <a:lnTo>
-                    <a:pt x="156377" y="456584"/>
-                  </a:lnTo>
-                  <a:lnTo>
-                    <a:pt x="199160" y="469549"/>
-                  </a:lnTo>
-                  <a:lnTo>
-                    <a:pt x="244305" y="473964"/>
-                  </a:lnTo>
-                  <a:lnTo>
-                    <a:pt x="325228" y="473964"/>
-                  </a:lnTo>
-                  <a:lnTo>
-                    <a:pt x="292331" y="483923"/>
-                  </a:lnTo>
-                  <a:lnTo>
-                    <a:pt x="244305" y="488611"/>
-                  </a:lnTo>
-                  <a:close/>
-                </a:path>
-                <a:path w="488950" h="488950">
-                  <a:moveTo>
-                    <a:pt x="325228" y="473964"/>
-                  </a:moveTo>
-                  <a:lnTo>
-                    <a:pt x="244305" y="473964"/>
-                  </a:lnTo>
-                  <a:lnTo>
-                    <a:pt x="289450" y="469549"/>
-                  </a:lnTo>
-                  <a:lnTo>
-                    <a:pt x="332234" y="456584"/>
-                  </a:lnTo>
-                  <a:lnTo>
-                    <a:pt x="371648" y="435489"/>
-                  </a:lnTo>
-                  <a:lnTo>
-                    <a:pt x="406687" y="406688"/>
-                  </a:lnTo>
-                  <a:lnTo>
-                    <a:pt x="435489" y="371649"/>
-                  </a:lnTo>
-                  <a:lnTo>
-                    <a:pt x="456584" y="332234"/>
-                  </a:lnTo>
-                  <a:lnTo>
-                    <a:pt x="469549" y="289450"/>
-                  </a:lnTo>
-                  <a:lnTo>
-                    <a:pt x="473964" y="244305"/>
-                  </a:lnTo>
-                  <a:lnTo>
-                    <a:pt x="469549" y="199160"/>
-                  </a:lnTo>
-                  <a:lnTo>
-                    <a:pt x="456584" y="156377"/>
-                  </a:lnTo>
-                  <a:lnTo>
-                    <a:pt x="435489" y="116962"/>
-                  </a:lnTo>
-                  <a:lnTo>
-                    <a:pt x="406687" y="81923"/>
-                  </a:lnTo>
-                  <a:lnTo>
-                    <a:pt x="371648" y="53121"/>
-                  </a:lnTo>
-                  <a:lnTo>
-                    <a:pt x="332234" y="32027"/>
-                  </a:lnTo>
-                  <a:lnTo>
-                    <a:pt x="289450" y="19061"/>
-                  </a:lnTo>
-                  <a:lnTo>
-                    <a:pt x="244305" y="14646"/>
-                  </a:lnTo>
-                  <a:lnTo>
-                    <a:pt x="325228" y="14646"/>
-                  </a:lnTo>
-                  <a:lnTo>
-                    <a:pt x="379777" y="40905"/>
-                  </a:lnTo>
-                  <a:lnTo>
-                    <a:pt x="417038" y="71573"/>
-                  </a:lnTo>
-                  <a:lnTo>
-                    <a:pt x="447706" y="108874"/>
-                  </a:lnTo>
-                  <a:lnTo>
-                    <a:pt x="470144" y="150799"/>
-                  </a:lnTo>
-                  <a:lnTo>
-                    <a:pt x="483922" y="196293"/>
-                  </a:lnTo>
-                  <a:lnTo>
-                    <a:pt x="488611" y="244305"/>
-                  </a:lnTo>
-                  <a:lnTo>
-                    <a:pt x="483922" y="292331"/>
-                  </a:lnTo>
-                  <a:lnTo>
-                    <a:pt x="470144" y="337848"/>
-                  </a:lnTo>
-                  <a:lnTo>
-                    <a:pt x="447706" y="379777"/>
-                  </a:lnTo>
-                  <a:lnTo>
-                    <a:pt x="417038" y="417038"/>
-                  </a:lnTo>
-                  <a:lnTo>
-                    <a:pt x="379777" y="447706"/>
-                  </a:lnTo>
-                  <a:lnTo>
-                    <a:pt x="337848" y="470144"/>
-                  </a:lnTo>
-                  <a:lnTo>
-                    <a:pt x="325228" y="473964"/>
-                  </a:lnTo>
-                  <a:close/>
-                </a:path>
-              </a:pathLst>
-            </a:custGeom>
-            <a:solidFill>
-              <a:srgbClr val="FEFFFF"/>
-            </a:solidFill>
-          </p:spPr>
-          <p:txBody>
-            <a:bodyPr wrap="square" lIns="0" tIns="0" rIns="0" bIns="0" rtlCol="0"/>
-            <a:lstStyle/>
-            <a:p>
-              <a:endParaRPr/>
-            </a:p>
-          </p:txBody>
-        </p:sp>
-        <p:pic>
-          <p:nvPicPr>
-            <p:cNvPr id="5" name="object 5"/>
-            <p:cNvPicPr/>
-            <p:nvPr/>
-          </p:nvPicPr>
-          <p:blipFill>
-            <a:blip r:embed="rId2" cstate="print"/>
-            <a:stretch>
-              <a:fillRect/>
-            </a:stretch>
-          </p:blipFill>
-          <p:spPr>
-            <a:xfrm>
-              <a:off x="16968103" y="8858457"/>
-              <a:ext cx="100819" cy="163160"/>
-            </a:xfrm>
-            <a:prstGeom prst="rect">
-              <a:avLst/>
-            </a:prstGeom>
-          </p:spPr>
-        </p:pic>
-      </p:grpSp>
-      <p:grpSp>
-        <p:nvGrpSpPr>
-          <p:cNvPr id="6" name="object 6"/>
-          <p:cNvGrpSpPr/>
-          <p:nvPr/>
-        </p:nvGrpSpPr>
-        <p:grpSpPr>
-          <a:xfrm>
-            <a:off x="16121598" y="8695776"/>
-            <a:ext cx="488950" cy="488950"/>
-            <a:chOff x="16121598" y="8695776"/>
-            <a:chExt cx="488950" cy="488950"/>
-          </a:xfrm>
-        </p:grpSpPr>
-        <p:sp>
-          <p:nvSpPr>
-            <p:cNvPr id="7" name="object 7"/>
-            <p:cNvSpPr/>
-            <p:nvPr/>
-          </p:nvSpPr>
-          <p:spPr>
-            <a:xfrm>
-              <a:off x="16121598" y="8695776"/>
-              <a:ext cx="488950" cy="488950"/>
-            </a:xfrm>
-            <a:custGeom>
-              <a:avLst/>
-              <a:gdLst/>
-              <a:ahLst/>
-              <a:cxnLst/>
-              <a:rect l="l" t="t" r="r" b="b"/>
-              <a:pathLst>
-                <a:path w="488950" h="488950">
-                  <a:moveTo>
-                    <a:pt x="244305" y="0"/>
-                  </a:moveTo>
-                  <a:lnTo>
-                    <a:pt x="292331" y="4688"/>
-                  </a:lnTo>
-                  <a:lnTo>
-                    <a:pt x="337848" y="18466"/>
-                  </a:lnTo>
-                  <a:lnTo>
-                    <a:pt x="379777" y="40905"/>
-                  </a:lnTo>
-                  <a:lnTo>
-                    <a:pt x="417038" y="71573"/>
-                  </a:lnTo>
-                  <a:lnTo>
-                    <a:pt x="447706" y="108833"/>
-                  </a:lnTo>
-                  <a:lnTo>
-                    <a:pt x="470144" y="150762"/>
-                  </a:lnTo>
-                  <a:lnTo>
-                    <a:pt x="483922" y="196280"/>
-                  </a:lnTo>
-                  <a:lnTo>
-                    <a:pt x="488611" y="244305"/>
-                  </a:lnTo>
-                  <a:lnTo>
-                    <a:pt x="483922" y="292331"/>
-                  </a:lnTo>
-                  <a:lnTo>
-                    <a:pt x="470144" y="337848"/>
-                  </a:lnTo>
-                  <a:lnTo>
-                    <a:pt x="447706" y="379777"/>
-                  </a:lnTo>
-                  <a:lnTo>
-                    <a:pt x="417038" y="417038"/>
-                  </a:lnTo>
-                  <a:lnTo>
-                    <a:pt x="379777" y="447706"/>
-                  </a:lnTo>
-                  <a:lnTo>
-                    <a:pt x="337848" y="470144"/>
-                  </a:lnTo>
-                  <a:lnTo>
-                    <a:pt x="292331" y="483923"/>
-                  </a:lnTo>
-                  <a:lnTo>
-                    <a:pt x="244305" y="488611"/>
-                  </a:lnTo>
-                  <a:lnTo>
-                    <a:pt x="196280" y="483923"/>
-                  </a:lnTo>
-                  <a:lnTo>
-                    <a:pt x="163383" y="473964"/>
-                  </a:lnTo>
-                  <a:lnTo>
-                    <a:pt x="244305" y="473964"/>
-                  </a:lnTo>
-                  <a:lnTo>
-                    <a:pt x="289450" y="469549"/>
-                  </a:lnTo>
-                  <a:lnTo>
-                    <a:pt x="332234" y="456584"/>
-                  </a:lnTo>
-                  <a:lnTo>
-                    <a:pt x="371648" y="435489"/>
-                  </a:lnTo>
-                  <a:lnTo>
-                    <a:pt x="406687" y="406687"/>
-                  </a:lnTo>
-                  <a:lnTo>
-                    <a:pt x="435489" y="371648"/>
-                  </a:lnTo>
-                  <a:lnTo>
-                    <a:pt x="456584" y="332234"/>
-                  </a:lnTo>
-                  <a:lnTo>
-                    <a:pt x="469549" y="289450"/>
-                  </a:lnTo>
-                  <a:lnTo>
-                    <a:pt x="473964" y="244305"/>
-                  </a:lnTo>
-                  <a:lnTo>
-                    <a:pt x="469549" y="199160"/>
-                  </a:lnTo>
-                  <a:lnTo>
-                    <a:pt x="456584" y="156377"/>
-                  </a:lnTo>
-                  <a:lnTo>
-                    <a:pt x="435489" y="116962"/>
-                  </a:lnTo>
-                  <a:lnTo>
-                    <a:pt x="406687" y="81923"/>
-                  </a:lnTo>
-                  <a:lnTo>
-                    <a:pt x="371648" y="53121"/>
-                  </a:lnTo>
-                  <a:lnTo>
-                    <a:pt x="332234" y="32027"/>
-                  </a:lnTo>
-                  <a:lnTo>
-                    <a:pt x="289450" y="19061"/>
-                  </a:lnTo>
-                  <a:lnTo>
-                    <a:pt x="244305" y="14646"/>
-                  </a:lnTo>
-                  <a:lnTo>
-                    <a:pt x="163383" y="14646"/>
-                  </a:lnTo>
-                  <a:lnTo>
-                    <a:pt x="196280" y="4688"/>
-                  </a:lnTo>
-                  <a:lnTo>
-                    <a:pt x="244305" y="0"/>
-                  </a:lnTo>
-                  <a:close/>
-                </a:path>
-                <a:path w="488950" h="488950">
-                  <a:moveTo>
-                    <a:pt x="163383" y="14646"/>
-                  </a:moveTo>
-                  <a:lnTo>
-                    <a:pt x="244305" y="14646"/>
-                  </a:lnTo>
-                  <a:lnTo>
-                    <a:pt x="199160" y="19061"/>
-                  </a:lnTo>
-                  <a:lnTo>
-                    <a:pt x="156377" y="32027"/>
-                  </a:lnTo>
-                  <a:lnTo>
-                    <a:pt x="116962" y="53121"/>
-                  </a:lnTo>
-                  <a:lnTo>
-                    <a:pt x="81923" y="81923"/>
-                  </a:lnTo>
-                  <a:lnTo>
-                    <a:pt x="53121" y="116962"/>
-                  </a:lnTo>
-                  <a:lnTo>
-                    <a:pt x="32027" y="156377"/>
-                  </a:lnTo>
-                  <a:lnTo>
-                    <a:pt x="19061" y="199160"/>
-                  </a:lnTo>
-                  <a:lnTo>
-                    <a:pt x="14646" y="244305"/>
-                  </a:lnTo>
-                  <a:lnTo>
-                    <a:pt x="19061" y="289450"/>
-                  </a:lnTo>
-                  <a:lnTo>
-                    <a:pt x="32027" y="332234"/>
-                  </a:lnTo>
-                  <a:lnTo>
-                    <a:pt x="53121" y="371648"/>
-                  </a:lnTo>
-                  <a:lnTo>
-                    <a:pt x="81923" y="406687"/>
-                  </a:lnTo>
-                  <a:lnTo>
-                    <a:pt x="116962" y="435489"/>
-                  </a:lnTo>
-                  <a:lnTo>
-                    <a:pt x="156377" y="456584"/>
-                  </a:lnTo>
-                  <a:lnTo>
-                    <a:pt x="199160" y="469549"/>
-                  </a:lnTo>
-                  <a:lnTo>
-                    <a:pt x="244305" y="473964"/>
-                  </a:lnTo>
-                  <a:lnTo>
-                    <a:pt x="163383" y="473964"/>
-                  </a:lnTo>
-                  <a:lnTo>
-                    <a:pt x="108833" y="447706"/>
-                  </a:lnTo>
-                  <a:lnTo>
-                    <a:pt x="71573" y="417038"/>
-                  </a:lnTo>
-                  <a:lnTo>
-                    <a:pt x="40905" y="379736"/>
-                  </a:lnTo>
-                  <a:lnTo>
-                    <a:pt x="18466" y="337812"/>
-                  </a:lnTo>
-                  <a:lnTo>
-                    <a:pt x="4688" y="292317"/>
-                  </a:lnTo>
-                  <a:lnTo>
-                    <a:pt x="0" y="244305"/>
-                  </a:lnTo>
-                  <a:lnTo>
-                    <a:pt x="4688" y="196280"/>
-                  </a:lnTo>
-                  <a:lnTo>
-                    <a:pt x="18466" y="150762"/>
-                  </a:lnTo>
-                  <a:lnTo>
-                    <a:pt x="40905" y="108833"/>
-                  </a:lnTo>
-                  <a:lnTo>
-                    <a:pt x="71573" y="71573"/>
-                  </a:lnTo>
-                  <a:lnTo>
-                    <a:pt x="108833" y="40905"/>
-                  </a:lnTo>
-                  <a:lnTo>
-                    <a:pt x="150762" y="18466"/>
-                  </a:lnTo>
-                  <a:lnTo>
-                    <a:pt x="163383" y="14646"/>
-                  </a:lnTo>
-                  <a:close/>
-                </a:path>
-              </a:pathLst>
-            </a:custGeom>
-            <a:solidFill>
-              <a:srgbClr val="FEFFFF"/>
-            </a:solidFill>
-          </p:spPr>
-          <p:txBody>
-            <a:bodyPr wrap="square" lIns="0" tIns="0" rIns="0" bIns="0" rtlCol="0"/>
-            <a:lstStyle/>
-            <a:p>
-              <a:endParaRPr/>
-            </a:p>
-          </p:txBody>
-        </p:sp>
-        <p:pic>
-          <p:nvPicPr>
-            <p:cNvPr id="8" name="object 8"/>
-            <p:cNvPicPr/>
-            <p:nvPr/>
-          </p:nvPicPr>
-          <p:blipFill>
-            <a:blip r:embed="rId3" cstate="print"/>
-            <a:stretch>
-              <a:fillRect/>
-            </a:stretch>
-          </p:blipFill>
-          <p:spPr>
-            <a:xfrm>
-              <a:off x="16311501" y="8858083"/>
-              <a:ext cx="100819" cy="163160"/>
-            </a:xfrm>
-            <a:prstGeom prst="rect">
-              <a:avLst/>
-            </a:prstGeom>
-          </p:spPr>
-        </p:pic>
-      </p:grpSp>
-    </p:spTree>
-  </p:cSld>
-  <p:clrMapOvr>
-    <a:masterClrMapping/>
-  </p:clrMapOvr>
-</p:sld>
-</file>
-
-<file path=ppt/slides/slide5.xml><?xml version="1.0" encoding="utf-8"?>
 <p:sld xmlns:a="http://schemas.openxmlformats.org/drawingml/2006/main" xmlns:r="http://schemas.openxmlformats.org/officeDocument/2006/relationships" xmlns:p="http://schemas.openxmlformats.org/presentationml/2006/main" showMasterSp="0">
   <p:cSld>
     <p:spTree>
@@ -14441,137 +12192,7 @@
                 <a:spcPts val="110"/>
               </a:spcBef>
             </a:pPr>
-            <a:r>
-              <a:rPr sz="2750" b="1" spc="130" dirty="0">
-                <a:solidFill>
-                  <a:srgbClr val="254E72"/>
-                </a:solidFill>
-                <a:latin typeface="Calibri"/>
-                <a:cs typeface="Calibri"/>
-              </a:rPr>
-              <a:t>I</a:t>
-            </a:r>
-            <a:r>
-              <a:rPr sz="2750" b="1" spc="160" dirty="0">
-                <a:solidFill>
-                  <a:srgbClr val="254E72"/>
-                </a:solidFill>
-                <a:latin typeface="Calibri"/>
-                <a:cs typeface="Calibri"/>
-              </a:rPr>
-              <a:t>n</a:t>
-            </a:r>
-            <a:r>
-              <a:rPr sz="2750" b="1" spc="125" dirty="0">
-                <a:solidFill>
-                  <a:srgbClr val="254E72"/>
-                </a:solidFill>
-                <a:latin typeface="Calibri"/>
-                <a:cs typeface="Calibri"/>
-              </a:rPr>
-              <a:t>t</a:t>
-            </a:r>
-            <a:r>
-              <a:rPr sz="2750" b="1" spc="110" dirty="0">
-                <a:solidFill>
-                  <a:srgbClr val="254E72"/>
-                </a:solidFill>
-                <a:latin typeface="Calibri"/>
-                <a:cs typeface="Calibri"/>
-              </a:rPr>
-              <a:t>e</a:t>
-            </a:r>
-            <a:r>
-              <a:rPr sz="2750" b="1" spc="130" dirty="0">
-                <a:solidFill>
-                  <a:srgbClr val="254E72"/>
-                </a:solidFill>
-                <a:latin typeface="Calibri"/>
-                <a:cs typeface="Calibri"/>
-              </a:rPr>
-              <a:t>r</a:t>
-            </a:r>
-            <a:r>
-              <a:rPr sz="2750" b="1" spc="175" dirty="0">
-                <a:solidFill>
-                  <a:srgbClr val="254E72"/>
-                </a:solidFill>
-                <a:latin typeface="Calibri"/>
-                <a:cs typeface="Calibri"/>
-              </a:rPr>
-              <a:t>p</a:t>
-            </a:r>
-            <a:r>
-              <a:rPr sz="2750" b="1" spc="130" dirty="0">
-                <a:solidFill>
-                  <a:srgbClr val="254E72"/>
-                </a:solidFill>
-                <a:latin typeface="Calibri"/>
-                <a:cs typeface="Calibri"/>
-              </a:rPr>
-              <a:t>r</a:t>
-            </a:r>
-            <a:r>
-              <a:rPr sz="2750" b="1" spc="110" dirty="0">
-                <a:solidFill>
-                  <a:srgbClr val="254E72"/>
-                </a:solidFill>
-                <a:latin typeface="Calibri"/>
-                <a:cs typeface="Calibri"/>
-              </a:rPr>
-              <a:t>e</a:t>
-            </a:r>
-            <a:r>
-              <a:rPr sz="2750" b="1" spc="125" dirty="0">
-                <a:solidFill>
-                  <a:srgbClr val="254E72"/>
-                </a:solidFill>
-                <a:latin typeface="Calibri"/>
-                <a:cs typeface="Calibri"/>
-              </a:rPr>
-              <a:t>t</a:t>
-            </a:r>
-            <a:r>
-              <a:rPr sz="2750" b="1" spc="160" dirty="0">
-                <a:solidFill>
-                  <a:srgbClr val="254E72"/>
-                </a:solidFill>
-                <a:latin typeface="Calibri"/>
-                <a:cs typeface="Calibri"/>
-              </a:rPr>
-              <a:t>a</a:t>
-            </a:r>
-            <a:r>
-              <a:rPr sz="2750" b="1" spc="125" dirty="0">
-                <a:solidFill>
-                  <a:srgbClr val="254E72"/>
-                </a:solidFill>
-                <a:latin typeface="Calibri"/>
-                <a:cs typeface="Calibri"/>
-              </a:rPr>
-              <a:t>t</a:t>
-            </a:r>
-            <a:r>
-              <a:rPr sz="2750" b="1" spc="135" dirty="0">
-                <a:solidFill>
-                  <a:srgbClr val="254E72"/>
-                </a:solidFill>
-                <a:latin typeface="Calibri"/>
-                <a:cs typeface="Calibri"/>
-              </a:rPr>
-              <a:t>io</a:t>
-            </a:r>
-            <a:r>
-              <a:rPr sz="2750" b="1" spc="50" dirty="0">
-                <a:solidFill>
-                  <a:srgbClr val="254E72"/>
-                </a:solidFill>
-                <a:latin typeface="Calibri"/>
-                <a:cs typeface="Calibri"/>
-              </a:rPr>
-              <a:t>n</a:t>
-            </a:r>
-            <a:endParaRPr sz="2750">
+            <a:endParaRPr sz="2750" dirty="0">
               <a:latin typeface="Calibri"/>
               <a:cs typeface="Calibri"/>
             </a:endParaRPr>
@@ -14595,7 +12216,7 @@
               </a:rPr>
               <a:t>.</a:t>
             </a:r>
-            <a:endParaRPr sz="2200">
+            <a:endParaRPr sz="2200" dirty="0">
               <a:latin typeface="Arial Unicode MS"/>
               <a:cs typeface="Arial Unicode MS"/>
             </a:endParaRPr>
@@ -14695,7 +12316,7 @@
 </p:sld>
 </file>
 
-<file path=ppt/slides/slide6.xml><?xml version="1.0" encoding="utf-8"?>
+<file path=ppt/slides/slide5.xml><?xml version="1.0" encoding="utf-8"?>
 <p:sld xmlns:a="http://schemas.openxmlformats.org/drawingml/2006/main" xmlns:r="http://schemas.openxmlformats.org/officeDocument/2006/relationships" xmlns:p="http://schemas.openxmlformats.org/presentationml/2006/main" showMasterSp="0">
   <p:cSld>
     <p:spTree>
@@ -15233,7 +12854,7 @@
 </p:sld>
 </file>
 
-<file path=ppt/slides/slide7.xml><?xml version="1.0" encoding="utf-8"?>
+<file path=ppt/slides/slide6.xml><?xml version="1.0" encoding="utf-8"?>
 <p:sld xmlns:a="http://schemas.openxmlformats.org/drawingml/2006/main" xmlns:r="http://schemas.openxmlformats.org/officeDocument/2006/relationships" xmlns:p="http://schemas.openxmlformats.org/presentationml/2006/main">
   <p:cSld>
     <p:spTree>
@@ -15519,7 +13140,7 @@
 </p:sld>
 </file>
 
-<file path=ppt/slides/slide8.xml><?xml version="1.0" encoding="utf-8"?>
+<file path=ppt/slides/slide7.xml><?xml version="1.0" encoding="utf-8"?>
 <p:sld xmlns:a="http://schemas.openxmlformats.org/drawingml/2006/main" xmlns:r="http://schemas.openxmlformats.org/officeDocument/2006/relationships" xmlns:p="http://schemas.openxmlformats.org/presentationml/2006/main" showMasterSp="0">
   <p:cSld>
     <p:spTree>
@@ -16080,7 +13701,7 @@
 </p:sld>
 </file>
 
-<file path=ppt/slides/slide9.xml><?xml version="1.0" encoding="utf-8"?>
+<file path=ppt/slides/slide8.xml><?xml version="1.0" encoding="utf-8"?>
 <p:sld xmlns:a="http://schemas.openxmlformats.org/drawingml/2006/main" xmlns:r="http://schemas.openxmlformats.org/officeDocument/2006/relationships" xmlns:p="http://schemas.openxmlformats.org/presentationml/2006/main" showMasterSp="0">
   <p:cSld>
     <p:spTree>
@@ -16482,6 +14103,246 @@
         </p:txBody>
       </p:sp>
     </p:spTree>
+  </p:cSld>
+  <p:clrMapOvr>
+    <a:masterClrMapping/>
+  </p:clrMapOvr>
+</p:sld>
+</file>
+
+<file path=ppt/slides/slide9.xml><?xml version="1.0" encoding="utf-8"?>
+<p:sld xmlns:a="http://schemas.openxmlformats.org/drawingml/2006/main" xmlns:r="http://schemas.openxmlformats.org/officeDocument/2006/relationships" xmlns:p="http://schemas.openxmlformats.org/presentationml/2006/main">
+  <p:cSld>
+    <p:spTree>
+      <p:nvGrpSpPr>
+        <p:cNvPr id="1" name=""/>
+        <p:cNvGrpSpPr/>
+        <p:nvPr/>
+      </p:nvGrpSpPr>
+      <p:grpSpPr>
+        <a:xfrm>
+          <a:off x="0" y="0"/>
+          <a:ext cx="0" cy="0"/>
+          <a:chOff x="0" y="0"/>
+          <a:chExt cx="0" cy="0"/>
+        </a:xfrm>
+      </p:grpSpPr>
+      <p:sp>
+        <p:nvSpPr>
+          <p:cNvPr id="2" name="Title 1">
+            <a:extLst>
+              <a:ext uri="{FF2B5EF4-FFF2-40B4-BE49-F238E27FC236}">
+                <a16:creationId xmlns:a16="http://schemas.microsoft.com/office/drawing/2014/main" id="{393C0292-2D52-4955-85FE-E3AC7051A8D4}"/>
+              </a:ext>
+            </a:extLst>
+          </p:cNvPr>
+          <p:cNvSpPr>
+            <a:spLocks noGrp="1"/>
+          </p:cNvSpPr>
+          <p:nvPr>
+            <p:ph type="title"/>
+          </p:nvPr>
+        </p:nvSpPr>
+        <p:spPr>
+          <a:xfrm>
+            <a:off x="0" y="551111"/>
+            <a:ext cx="18288000" cy="831214"/>
+          </a:xfrm>
+        </p:spPr>
+        <p:txBody>
+          <a:bodyPr/>
+          <a:lstStyle/>
+          <a:p>
+            <a:r>
+              <a:rPr lang="fr-HT" dirty="0">
+                <a:solidFill>
+                  <a:srgbClr val="FF0000"/>
+                </a:solidFill>
+              </a:rPr>
+              <a:t> Machine Learning model</a:t>
+            </a:r>
+          </a:p>
+        </p:txBody>
+      </p:sp>
+      <p:sp>
+        <p:nvSpPr>
+          <p:cNvPr id="3" name="Text Placeholder 2">
+            <a:extLst>
+              <a:ext uri="{FF2B5EF4-FFF2-40B4-BE49-F238E27FC236}">
+                <a16:creationId xmlns:a16="http://schemas.microsoft.com/office/drawing/2014/main" id="{28401CEC-E9E0-42AE-A609-3AB007E1BC60}"/>
+              </a:ext>
+            </a:extLst>
+          </p:cNvPr>
+          <p:cNvSpPr>
+            <a:spLocks noGrp="1"/>
+          </p:cNvSpPr>
+          <p:nvPr>
+            <p:ph type="body" idx="1"/>
+          </p:nvPr>
+        </p:nvSpPr>
+        <p:spPr>
+          <a:xfrm>
+            <a:off x="9144000" y="2224551"/>
+            <a:ext cx="7478930" cy="3077766"/>
+          </a:xfrm>
+        </p:spPr>
+        <p:txBody>
+          <a:bodyPr/>
+          <a:lstStyle/>
+          <a:p>
+            <a:r>
+              <a:rPr lang="en-US" sz="2000" b="1" i="0" dirty="0">
+                <a:solidFill>
+                  <a:srgbClr val="212529"/>
+                </a:solidFill>
+                <a:effectLst/>
+                <a:latin typeface="-apple-system"/>
+              </a:rPr>
+              <a:t>Decision Trees (DTs)</a:t>
+            </a:r>
+            <a:r>
+              <a:rPr lang="en-US" sz="2000" b="0" i="0" dirty="0">
+                <a:solidFill>
+                  <a:srgbClr val="212529"/>
+                </a:solidFill>
+                <a:effectLst/>
+                <a:latin typeface="-apple-system"/>
+              </a:rPr>
+              <a:t> are a non-parametric supervised learning method used for </a:t>
+            </a:r>
+            <a:r>
+              <a:rPr lang="en-US" sz="2000" b="0" i="0" u="none" strike="noStrike" dirty="0">
+                <a:solidFill>
+                  <a:srgbClr val="2878A2"/>
+                </a:solidFill>
+                <a:effectLst/>
+                <a:latin typeface="-apple-system"/>
+                <a:hlinkClick r:id="rId2"/>
+              </a:rPr>
+              <a:t>classification</a:t>
+            </a:r>
+            <a:r>
+              <a:rPr lang="en-US" sz="2000" b="0" i="0" dirty="0">
+                <a:solidFill>
+                  <a:srgbClr val="212529"/>
+                </a:solidFill>
+                <a:effectLst/>
+                <a:latin typeface="-apple-system"/>
+              </a:rPr>
+              <a:t> and </a:t>
+            </a:r>
+            <a:r>
+              <a:rPr lang="en-US" sz="2000" b="0" i="0" u="none" strike="noStrike" dirty="0">
+                <a:solidFill>
+                  <a:srgbClr val="2878A2"/>
+                </a:solidFill>
+                <a:effectLst/>
+                <a:latin typeface="-apple-system"/>
+                <a:hlinkClick r:id="rId3"/>
+              </a:rPr>
+              <a:t>regression</a:t>
+            </a:r>
+            <a:r>
+              <a:rPr lang="en-US" sz="2000" b="0" i="0" dirty="0">
+                <a:solidFill>
+                  <a:srgbClr val="212529"/>
+                </a:solidFill>
+                <a:effectLst/>
+                <a:latin typeface="-apple-system"/>
+              </a:rPr>
+              <a:t>. The goal is to create a model that predicts the value of a target variable by learning simple decision rules inferred from the data features. A tree can be seen as a piecewise constant approximation. </a:t>
+            </a:r>
+          </a:p>
+          <a:p>
+            <a:endParaRPr lang="en-US" sz="2000" b="0" i="0" dirty="0">
+              <a:solidFill>
+                <a:srgbClr val="212529"/>
+              </a:solidFill>
+              <a:effectLst/>
+              <a:latin typeface="-apple-system"/>
+            </a:endParaRPr>
+          </a:p>
+          <a:p>
+            <a:r>
+              <a:rPr lang="en-US" sz="2000" b="0" i="0" dirty="0">
+                <a:solidFill>
+                  <a:srgbClr val="212529"/>
+                </a:solidFill>
+                <a:effectLst/>
+                <a:latin typeface="-apple-system"/>
+              </a:rPr>
+              <a:t>We have chosen this model because it allows us to explain the decision to abort in a simple way according to the factors that influence this decision. It allows us to predict whether there will be an abortion with an accuracy of 78% and requires less than two seconds. </a:t>
+            </a:r>
+            <a:endParaRPr lang="fr-HT" sz="2000" dirty="0"/>
+          </a:p>
+        </p:txBody>
+      </p:sp>
+      <p:pic>
+        <p:nvPicPr>
+          <p:cNvPr id="5" name="Picture 4">
+            <a:extLst>
+              <a:ext uri="{FF2B5EF4-FFF2-40B4-BE49-F238E27FC236}">
+                <a16:creationId xmlns:a16="http://schemas.microsoft.com/office/drawing/2014/main" id="{6BFC1AB4-F57F-4FFB-9B07-FF474866508D}"/>
+              </a:ext>
+            </a:extLst>
+          </p:cNvPr>
+          <p:cNvPicPr>
+            <a:picLocks noChangeAspect="1"/>
+          </p:cNvPicPr>
+          <p:nvPr/>
+        </p:nvPicPr>
+        <p:blipFill>
+          <a:blip r:embed="rId4"/>
+          <a:stretch>
+            <a:fillRect/>
+          </a:stretch>
+        </p:blipFill>
+        <p:spPr>
+          <a:xfrm>
+            <a:off x="461662" y="2224550"/>
+            <a:ext cx="7300105" cy="3328158"/>
+          </a:xfrm>
+          <a:prstGeom prst="rect">
+            <a:avLst/>
+          </a:prstGeom>
+        </p:spPr>
+      </p:pic>
+      <p:pic>
+        <p:nvPicPr>
+          <p:cNvPr id="7" name="Picture 6">
+            <a:extLst>
+              <a:ext uri="{FF2B5EF4-FFF2-40B4-BE49-F238E27FC236}">
+                <a16:creationId xmlns:a16="http://schemas.microsoft.com/office/drawing/2014/main" id="{C06889DA-2318-4B0F-9002-26C35B4E06C7}"/>
+              </a:ext>
+            </a:extLst>
+          </p:cNvPr>
+          <p:cNvPicPr>
+            <a:picLocks noChangeAspect="1"/>
+          </p:cNvPicPr>
+          <p:nvPr/>
+        </p:nvPicPr>
+        <p:blipFill>
+          <a:blip r:embed="rId5"/>
+          <a:stretch>
+            <a:fillRect/>
+          </a:stretch>
+        </p:blipFill>
+        <p:spPr>
+          <a:xfrm>
+            <a:off x="887209" y="6282653"/>
+            <a:ext cx="6385461" cy="3328158"/>
+          </a:xfrm>
+          <a:prstGeom prst="rect">
+            <a:avLst/>
+          </a:prstGeom>
+        </p:spPr>
+      </p:pic>
+    </p:spTree>
+    <p:extLst>
+      <p:ext uri="{BB962C8B-B14F-4D97-AF65-F5344CB8AC3E}">
+        <p14:creationId xmlns:p14="http://schemas.microsoft.com/office/powerpoint/2010/main" val="1775953458"/>
+      </p:ext>
+    </p:extLst>
   </p:cSld>
   <p:clrMapOvr>
     <a:masterClrMapping/>
